--- a/Motor controller powerpointPlusMyStuff.pptx
+++ b/Motor controller powerpointPlusMyStuff.pptx
@@ -2,7 +2,7 @@
 <file path=ppt/presentation.xml><?xml version="1.0" encoding="utf-8"?>
 <p:presentation xmlns:a="http://schemas.openxmlformats.org/drawingml/2006/main" xmlns:r="http://schemas.openxmlformats.org/officeDocument/2006/relationships" xmlns:p="http://schemas.openxmlformats.org/presentationml/2006/main" saveSubsetFonts="1">
   <p:sldMasterIdLst>
-    <p:sldMasterId id="2147483678" r:id="rId1"/>
+    <p:sldMasterId id="2147483696" r:id="rId1"/>
   </p:sldMasterIdLst>
   <p:notesMasterIdLst>
     <p:notesMasterId r:id="rId17"/>
@@ -24,7 +24,7 @@
     <p:sldId id="269" r:id="rId15"/>
     <p:sldId id="270" r:id="rId16"/>
   </p:sldIdLst>
-  <p:sldSz cx="12192000" cy="6858000"/>
+  <p:sldSz cx="9144000" cy="6858000" type="screen4x3"/>
   <p:notesSz cx="6858000" cy="9144000"/>
   <p:defaultTextStyle>
     <a:defPPr>
@@ -121,6 +121,22 @@
       </a:defRPr>
     </a:lvl9pPr>
   </p:defaultTextStyle>
+  <p:extLst>
+    <p:ext uri="{EFAFB233-063F-42B5-8137-9DF3F51BA10A}">
+      <p15:sldGuideLst xmlns:p15="http://schemas.microsoft.com/office/powerpoint/2012/main">
+        <p15:guide id="1" orient="horz" pos="2160" userDrawn="1">
+          <p15:clr>
+            <a:srgbClr val="A4A3A4"/>
+          </p15:clr>
+        </p15:guide>
+        <p15:guide id="2" pos="2880" userDrawn="1">
+          <p15:clr>
+            <a:srgbClr val="A4A3A4"/>
+          </p15:clr>
+        </p15:guide>
+      </p15:sldGuideLst>
+    </p:ext>
+  </p:extLst>
 </p:presentation>
 </file>
 
@@ -224,8 +240,8 @@
         </p:nvSpPr>
         <p:spPr>
           <a:xfrm>
-            <a:off x="685800" y="1143000"/>
-            <a:ext cx="5486400" cy="3086100"/>
+            <a:off x="1371600" y="1143000"/>
+            <a:ext cx="4114800" cy="3086100"/>
           </a:xfrm>
           <a:prstGeom prst="rect">
             <a:avLst/>
@@ -501,7 +517,12 @@
             <p:ph type="sldImg"/>
           </p:nvPr>
         </p:nvSpPr>
-        <p:spPr/>
+        <p:spPr>
+          <a:xfrm>
+            <a:off x="1371600" y="1143000"/>
+            <a:ext cx="4114800" cy="3086100"/>
+          </a:xfrm>
+        </p:spPr>
       </p:sp>
       <p:sp>
         <p:nvSpPr>
@@ -588,7 +609,12 @@
             <p:ph type="sldImg"/>
           </p:nvPr>
         </p:nvSpPr>
-        <p:spPr/>
+        <p:spPr>
+          <a:xfrm>
+            <a:off x="1371600" y="1143000"/>
+            <a:ext cx="4114800" cy="3086100"/>
+          </a:xfrm>
+        </p:spPr>
       </p:sp>
       <p:sp>
         <p:nvSpPr>
@@ -685,7 +711,12 @@
             <p:ph type="sldImg"/>
           </p:nvPr>
         </p:nvSpPr>
-        <p:spPr/>
+        <p:spPr>
+          <a:xfrm>
+            <a:off x="1371600" y="1143000"/>
+            <a:ext cx="4114800" cy="3086100"/>
+          </a:xfrm>
+        </p:spPr>
       </p:sp>
       <p:sp>
         <p:nvSpPr>
@@ -777,7 +808,12 @@
             <p:ph type="sldImg"/>
           </p:nvPr>
         </p:nvSpPr>
-        <p:spPr/>
+        <p:spPr>
+          <a:xfrm>
+            <a:off x="1371600" y="1143000"/>
+            <a:ext cx="4114800" cy="3086100"/>
+          </a:xfrm>
+        </p:spPr>
       </p:sp>
       <p:sp>
         <p:nvSpPr>
@@ -869,7 +905,12 @@
             <p:ph type="sldImg"/>
           </p:nvPr>
         </p:nvSpPr>
-        <p:spPr/>
+        <p:spPr>
+          <a:xfrm>
+            <a:off x="1371600" y="1143000"/>
+            <a:ext cx="4114800" cy="3086100"/>
+          </a:xfrm>
+        </p:spPr>
       </p:sp>
       <p:sp>
         <p:nvSpPr>
@@ -961,7 +1002,12 @@
             <p:ph type="sldImg"/>
           </p:nvPr>
         </p:nvSpPr>
-        <p:spPr/>
+        <p:spPr>
+          <a:xfrm>
+            <a:off x="1371600" y="1143000"/>
+            <a:ext cx="4114800" cy="3086100"/>
+          </a:xfrm>
+        </p:spPr>
       </p:sp>
       <p:sp>
         <p:nvSpPr>
@@ -980,7 +1026,17 @@
           <a:p>
             <a:r>
               <a:rPr lang="en-US" dirty="0" smtClean="0"/>
-              <a:t>IT WORKS!!!</a:t>
+              <a:t>Jake:</a:t>
+            </a:r>
+          </a:p>
+          <a:p>
+            <a:r>
+              <a:rPr lang="en-US" dirty="0" smtClean="0"/>
+              <a:t>IT </a:t>
+            </a:r>
+            <a:r>
+              <a:rPr lang="en-US" dirty="0" smtClean="0"/>
+              <a:t>WORKS!!!</a:t>
             </a:r>
           </a:p>
           <a:p>
@@ -1071,7 +1127,12 @@
             <p:ph type="sldImg"/>
           </p:nvPr>
         </p:nvSpPr>
-        <p:spPr/>
+        <p:spPr>
+          <a:xfrm>
+            <a:off x="1371600" y="1143000"/>
+            <a:ext cx="4114800" cy="3086100"/>
+          </a:xfrm>
+        </p:spPr>
       </p:sp>
       <p:sp>
         <p:nvSpPr>
@@ -1174,7 +1235,12 @@
             <p:ph type="sldImg"/>
           </p:nvPr>
         </p:nvSpPr>
-        <p:spPr/>
+        <p:spPr>
+          <a:xfrm>
+            <a:off x="1371600" y="1143000"/>
+            <a:ext cx="4114800" cy="3086100"/>
+          </a:xfrm>
+        </p:spPr>
       </p:sp>
       <p:sp>
         <p:nvSpPr>
@@ -1272,7 +1338,12 @@
             <p:ph type="sldImg"/>
           </p:nvPr>
         </p:nvSpPr>
-        <p:spPr/>
+        <p:spPr>
+          <a:xfrm>
+            <a:off x="1371600" y="1143000"/>
+            <a:ext cx="4114800" cy="3086100"/>
+          </a:xfrm>
+        </p:spPr>
       </p:sp>
       <p:sp>
         <p:nvSpPr>
@@ -1376,7 +1447,12 @@
             <p:ph type="sldImg"/>
           </p:nvPr>
         </p:nvSpPr>
-        <p:spPr/>
+        <p:spPr>
+          <a:xfrm>
+            <a:off x="1371600" y="1143000"/>
+            <a:ext cx="4114800" cy="3086100"/>
+          </a:xfrm>
+        </p:spPr>
       </p:sp>
       <p:sp>
         <p:nvSpPr>
@@ -1541,7 +1617,12 @@
             <p:ph type="sldImg"/>
           </p:nvPr>
         </p:nvSpPr>
-        <p:spPr/>
+        <p:spPr>
+          <a:xfrm>
+            <a:off x="1371600" y="1143000"/>
+            <a:ext cx="4114800" cy="3086100"/>
+          </a:xfrm>
+        </p:spPr>
       </p:sp>
       <p:sp>
         <p:nvSpPr>
@@ -1645,7 +1726,12 @@
             <p:ph type="sldImg"/>
           </p:nvPr>
         </p:nvSpPr>
-        <p:spPr/>
+        <p:spPr>
+          <a:xfrm>
+            <a:off x="1371600" y="1143000"/>
+            <a:ext cx="4114800" cy="3086100"/>
+          </a:xfrm>
+        </p:spPr>
       </p:sp>
       <p:sp>
         <p:nvSpPr>
@@ -1745,7 +1831,12 @@
             <p:ph type="sldImg"/>
           </p:nvPr>
         </p:nvSpPr>
-        <p:spPr/>
+        <p:spPr>
+          <a:xfrm>
+            <a:off x="1371600" y="1143000"/>
+            <a:ext cx="4114800" cy="3086100"/>
+          </a:xfrm>
+        </p:spPr>
       </p:sp>
       <p:sp>
         <p:nvSpPr>
@@ -1861,7 +1952,12 @@
             <p:ph type="sldImg"/>
           </p:nvPr>
         </p:nvSpPr>
-        <p:spPr/>
+        <p:spPr>
+          <a:xfrm>
+            <a:off x="1371600" y="1143000"/>
+            <a:ext cx="4114800" cy="3086100"/>
+          </a:xfrm>
+        </p:spPr>
       </p:sp>
       <p:sp>
         <p:nvSpPr>
@@ -1965,7 +2061,12 @@
             <p:ph type="sldImg"/>
           </p:nvPr>
         </p:nvSpPr>
-        <p:spPr/>
+        <p:spPr>
+          <a:xfrm>
+            <a:off x="1371600" y="1143000"/>
+            <a:ext cx="4114800" cy="3086100"/>
+          </a:xfrm>
+        </p:spPr>
       </p:sp>
       <p:sp>
         <p:nvSpPr>
@@ -2055,7 +2156,7 @@
       </p:grpSpPr>
       <p:pic>
         <p:nvPicPr>
-          <p:cNvPr id="66" name="Picture 2" descr="\\DROBO-FS\QuickDrops\JB\PPTX NG\Droplets\LightingOverlay.png"/>
+          <p:cNvPr id="62" name="Picture 2" descr="\\DROBO-FS\QuickDrops\JB\PPTX NG\Droplets\LightingOverlay.png"/>
           <p:cNvPicPr>
             <a:picLocks noChangeAspect="1" noChangeArrowheads="1"/>
           </p:cNvPicPr>
@@ -2084,16 +2185,16 @@
         </p:blipFill>
         <p:spPr bwMode="auto">
           <a:xfrm>
-            <a:off x="0" y="-1"/>
-            <a:ext cx="12192003" cy="6858001"/>
+            <a:off x="1" y="-1"/>
+            <a:ext cx="9144002" cy="6858001"/>
           </a:xfrm>
           <a:prstGeom prst="rect">
             <a:avLst/>
           </a:prstGeom>
           <a:noFill/>
           <a:extLst>
-            <a:ext uri="{909E8E84-426E-40DD-AFC4-6F175D3DCCD1}">
-              <a14:hiddenFill xmlns:a14="http://schemas.microsoft.com/office/drawing/2010/main">
+            <a:ext uri="{909E8E84-426E-40dd-AFC4-6F175D3DCCD1}">
+              <a14:hiddenFill xmlns="" xmlns:a14="http://schemas.microsoft.com/office/drawing/2010/main">
                 <a:solidFill>
                   <a:srgbClr val="FFFFFF"/>
                 </a:solidFill>
@@ -2104,7 +2205,7 @@
       </p:pic>
       <p:grpSp>
         <p:nvGrpSpPr>
-          <p:cNvPr id="11" name="Group 10"/>
+          <p:cNvPr id="66" name="Group 65"/>
           <p:cNvGrpSpPr/>
           <p:nvPr/>
         </p:nvGrpSpPr>
@@ -2132,7 +2233,7 @@
         </p:grpSpPr>
         <p:sp>
           <p:nvSpPr>
-            <p:cNvPr id="12" name="Rectangle 5"/>
+            <p:cNvPr id="67" name="Rectangle 5"/>
             <p:cNvSpPr>
               <a:spLocks noChangeArrowheads="1"/>
             </p:cNvSpPr>
@@ -2151,8 +2252,8 @@
               <a:noFill/>
             </a:ln>
             <a:extLst>
-              <a:ext uri="{91240B29-F687-4F45-9708-019B960494DF}">
-                <a14:hiddenLine xmlns:a14="http://schemas.microsoft.com/office/drawing/2010/main" w="9525">
+              <a:ext uri="{91240B29-F687-4f45-9708-019B960494DF}">
+                <a14:hiddenLine xmlns="" xmlns:a14="http://schemas.microsoft.com/office/drawing/2010/main" w="9525">
                   <a:solidFill>
                     <a:srgbClr val="000000"/>
                   </a:solidFill>
@@ -2166,7 +2267,7 @@
         </p:sp>
         <p:sp>
           <p:nvSpPr>
-            <p:cNvPr id="13" name="Freeform 6"/>
+            <p:cNvPr id="68" name="Freeform 6"/>
             <p:cNvSpPr>
               <a:spLocks noEditPoints="1"/>
             </p:cNvSpPr>
@@ -2241,8 +2342,8 @@
               <a:noFill/>
             </a:ln>
             <a:extLst>
-              <a:ext uri="{91240B29-F687-4F45-9708-019B960494DF}">
-                <a14:hiddenLine xmlns:a14="http://schemas.microsoft.com/office/drawing/2010/main" w="9525">
+              <a:ext uri="{91240B29-F687-4f45-9708-019B960494DF}">
+                <a14:hiddenLine xmlns="" xmlns:a14="http://schemas.microsoft.com/office/drawing/2010/main" w="9525">
                   <a:solidFill>
                     <a:srgbClr val="000000"/>
                   </a:solidFill>
@@ -2256,7 +2357,7 @@
         </p:sp>
         <p:sp>
           <p:nvSpPr>
-            <p:cNvPr id="14" name="Freeform 7"/>
+            <p:cNvPr id="69" name="Freeform 7"/>
             <p:cNvSpPr>
               <a:spLocks noEditPoints="1"/>
             </p:cNvSpPr>
@@ -2331,8 +2432,8 @@
               <a:noFill/>
             </a:ln>
             <a:extLst>
-              <a:ext uri="{91240B29-F687-4F45-9708-019B960494DF}">
-                <a14:hiddenLine xmlns:a14="http://schemas.microsoft.com/office/drawing/2010/main" w="9525">
+              <a:ext uri="{91240B29-F687-4f45-9708-019B960494DF}">
+                <a14:hiddenLine xmlns="" xmlns:a14="http://schemas.microsoft.com/office/drawing/2010/main" w="9525">
                   <a:solidFill>
                     <a:srgbClr val="000000"/>
                   </a:solidFill>
@@ -2346,7 +2447,7 @@
         </p:sp>
         <p:sp>
           <p:nvSpPr>
-            <p:cNvPr id="15" name="Rectangle 8"/>
+            <p:cNvPr id="70" name="Rectangle 8"/>
             <p:cNvSpPr>
               <a:spLocks noChangeArrowheads="1"/>
             </p:cNvSpPr>
@@ -2365,8 +2466,8 @@
               <a:noFill/>
             </a:ln>
             <a:extLst>
-              <a:ext uri="{91240B29-F687-4F45-9708-019B960494DF}">
-                <a14:hiddenLine xmlns:a14="http://schemas.microsoft.com/office/drawing/2010/main" w="9525">
+              <a:ext uri="{91240B29-F687-4f45-9708-019B960494DF}">
+                <a14:hiddenLine xmlns="" xmlns:a14="http://schemas.microsoft.com/office/drawing/2010/main" w="9525">
                   <a:solidFill>
                     <a:srgbClr val="000000"/>
                   </a:solidFill>
@@ -2380,7 +2481,7 @@
         </p:sp>
         <p:sp>
           <p:nvSpPr>
-            <p:cNvPr id="16" name="Freeform 9"/>
+            <p:cNvPr id="71" name="Freeform 9"/>
             <p:cNvSpPr>
               <a:spLocks noEditPoints="1"/>
             </p:cNvSpPr>
@@ -2455,8 +2556,8 @@
               <a:noFill/>
             </a:ln>
             <a:extLst>
-              <a:ext uri="{91240B29-F687-4F45-9708-019B960494DF}">
-                <a14:hiddenLine xmlns:a14="http://schemas.microsoft.com/office/drawing/2010/main" w="9525">
+              <a:ext uri="{91240B29-F687-4f45-9708-019B960494DF}">
+                <a14:hiddenLine xmlns="" xmlns:a14="http://schemas.microsoft.com/office/drawing/2010/main" w="9525">
                   <a:solidFill>
                     <a:srgbClr val="000000"/>
                   </a:solidFill>
@@ -2470,7 +2571,7 @@
         </p:sp>
         <p:sp>
           <p:nvSpPr>
-            <p:cNvPr id="17" name="Freeform 10"/>
+            <p:cNvPr id="72" name="Freeform 10"/>
             <p:cNvSpPr/>
             <p:nvPr/>
           </p:nvSpPr>
@@ -2517,8 +2618,8 @@
               <a:noFill/>
             </a:ln>
             <a:extLst>
-              <a:ext uri="{91240B29-F687-4F45-9708-019B960494DF}">
-                <a14:hiddenLine xmlns:a14="http://schemas.microsoft.com/office/drawing/2010/main" w="9525">
+              <a:ext uri="{91240B29-F687-4f45-9708-019B960494DF}">
+                <a14:hiddenLine xmlns="" xmlns:a14="http://schemas.microsoft.com/office/drawing/2010/main" w="9525">
                   <a:solidFill>
                     <a:srgbClr val="000000"/>
                   </a:solidFill>
@@ -2532,7 +2633,7 @@
         </p:sp>
         <p:sp>
           <p:nvSpPr>
-            <p:cNvPr id="18" name="Freeform 11"/>
+            <p:cNvPr id="73" name="Freeform 11"/>
             <p:cNvSpPr/>
             <p:nvPr/>
           </p:nvSpPr>
@@ -2579,8 +2680,8 @@
               <a:noFill/>
             </a:ln>
             <a:extLst>
-              <a:ext uri="{91240B29-F687-4F45-9708-019B960494DF}">
-                <a14:hiddenLine xmlns:a14="http://schemas.microsoft.com/office/drawing/2010/main" w="9525">
+              <a:ext uri="{91240B29-F687-4f45-9708-019B960494DF}">
+                <a14:hiddenLine xmlns="" xmlns:a14="http://schemas.microsoft.com/office/drawing/2010/main" w="9525">
                   <a:solidFill>
                     <a:srgbClr val="000000"/>
                   </a:solidFill>
@@ -2594,7 +2695,7 @@
         </p:sp>
         <p:sp>
           <p:nvSpPr>
-            <p:cNvPr id="19" name="Freeform 12"/>
+            <p:cNvPr id="74" name="Freeform 12"/>
             <p:cNvSpPr>
               <a:spLocks noEditPoints="1"/>
             </p:cNvSpPr>
@@ -2669,8 +2770,8 @@
               <a:noFill/>
             </a:ln>
             <a:extLst>
-              <a:ext uri="{91240B29-F687-4F45-9708-019B960494DF}">
-                <a14:hiddenLine xmlns:a14="http://schemas.microsoft.com/office/drawing/2010/main" w="9525">
+              <a:ext uri="{91240B29-F687-4f45-9708-019B960494DF}">
+                <a14:hiddenLine xmlns="" xmlns:a14="http://schemas.microsoft.com/office/drawing/2010/main" w="9525">
                   <a:solidFill>
                     <a:srgbClr val="000000"/>
                   </a:solidFill>
@@ -2684,7 +2785,7 @@
         </p:sp>
         <p:sp>
           <p:nvSpPr>
-            <p:cNvPr id="20" name="Freeform 13"/>
+            <p:cNvPr id="75" name="Freeform 13"/>
             <p:cNvSpPr/>
             <p:nvPr/>
           </p:nvSpPr>
@@ -2731,8 +2832,8 @@
               <a:noFill/>
             </a:ln>
             <a:extLst>
-              <a:ext uri="{91240B29-F687-4F45-9708-019B960494DF}">
-                <a14:hiddenLine xmlns:a14="http://schemas.microsoft.com/office/drawing/2010/main" w="9525">
+              <a:ext uri="{91240B29-F687-4f45-9708-019B960494DF}">
+                <a14:hiddenLine xmlns="" xmlns:a14="http://schemas.microsoft.com/office/drawing/2010/main" w="9525">
                   <a:solidFill>
                     <a:srgbClr val="000000"/>
                   </a:solidFill>
@@ -2746,7 +2847,7 @@
         </p:sp>
         <p:sp>
           <p:nvSpPr>
-            <p:cNvPr id="21" name="Freeform 14"/>
+            <p:cNvPr id="76" name="Freeform 14"/>
             <p:cNvSpPr/>
             <p:nvPr/>
           </p:nvSpPr>
@@ -2793,8 +2894,8 @@
               <a:noFill/>
             </a:ln>
             <a:extLst>
-              <a:ext uri="{91240B29-F687-4F45-9708-019B960494DF}">
-                <a14:hiddenLine xmlns:a14="http://schemas.microsoft.com/office/drawing/2010/main" w="9525">
+              <a:ext uri="{91240B29-F687-4f45-9708-019B960494DF}">
+                <a14:hiddenLine xmlns="" xmlns:a14="http://schemas.microsoft.com/office/drawing/2010/main" w="9525">
                   <a:solidFill>
                     <a:srgbClr val="000000"/>
                   </a:solidFill>
@@ -2808,7 +2909,7 @@
         </p:sp>
         <p:sp>
           <p:nvSpPr>
-            <p:cNvPr id="22" name="Freeform 15"/>
+            <p:cNvPr id="77" name="Freeform 15"/>
             <p:cNvSpPr>
               <a:spLocks noEditPoints="1"/>
             </p:cNvSpPr>
@@ -2883,8 +2984,8 @@
               <a:noFill/>
             </a:ln>
             <a:extLst>
-              <a:ext uri="{91240B29-F687-4F45-9708-019B960494DF}">
-                <a14:hiddenLine xmlns:a14="http://schemas.microsoft.com/office/drawing/2010/main" w="9525">
+              <a:ext uri="{91240B29-F687-4f45-9708-019B960494DF}">
+                <a14:hiddenLine xmlns="" xmlns:a14="http://schemas.microsoft.com/office/drawing/2010/main" w="9525">
                   <a:solidFill>
                     <a:srgbClr val="000000"/>
                   </a:solidFill>
@@ -2898,7 +2999,7 @@
         </p:sp>
         <p:sp>
           <p:nvSpPr>
-            <p:cNvPr id="23" name="Freeform 16"/>
+            <p:cNvPr id="78" name="Freeform 16"/>
             <p:cNvSpPr>
               <a:spLocks noEditPoints="1"/>
             </p:cNvSpPr>
@@ -2973,8 +3074,8 @@
               <a:noFill/>
             </a:ln>
             <a:extLst>
-              <a:ext uri="{91240B29-F687-4F45-9708-019B960494DF}">
-                <a14:hiddenLine xmlns:a14="http://schemas.microsoft.com/office/drawing/2010/main" w="9525">
+              <a:ext uri="{91240B29-F687-4f45-9708-019B960494DF}">
+                <a14:hiddenLine xmlns="" xmlns:a14="http://schemas.microsoft.com/office/drawing/2010/main" w="9525">
                   <a:solidFill>
                     <a:srgbClr val="000000"/>
                   </a:solidFill>
@@ -2988,7 +3089,7 @@
         </p:sp>
         <p:sp>
           <p:nvSpPr>
-            <p:cNvPr id="24" name="Freeform 17"/>
+            <p:cNvPr id="79" name="Freeform 17"/>
             <p:cNvSpPr/>
             <p:nvPr/>
           </p:nvSpPr>
@@ -3035,8 +3136,8 @@
               <a:noFill/>
             </a:ln>
             <a:extLst>
-              <a:ext uri="{91240B29-F687-4F45-9708-019B960494DF}">
-                <a14:hiddenLine xmlns:a14="http://schemas.microsoft.com/office/drawing/2010/main" w="9525">
+              <a:ext uri="{91240B29-F687-4f45-9708-019B960494DF}">
+                <a14:hiddenLine xmlns="" xmlns:a14="http://schemas.microsoft.com/office/drawing/2010/main" w="9525">
                   <a:solidFill>
                     <a:srgbClr val="000000"/>
                   </a:solidFill>
@@ -3050,7 +3151,7 @@
         </p:sp>
         <p:sp>
           <p:nvSpPr>
-            <p:cNvPr id="25" name="Freeform 18"/>
+            <p:cNvPr id="80" name="Freeform 18"/>
             <p:cNvSpPr>
               <a:spLocks noEditPoints="1"/>
             </p:cNvSpPr>
@@ -3145,8 +3246,8 @@
               <a:noFill/>
             </a:ln>
             <a:extLst>
-              <a:ext uri="{91240B29-F687-4F45-9708-019B960494DF}">
-                <a14:hiddenLine xmlns:a14="http://schemas.microsoft.com/office/drawing/2010/main" w="9525">
+              <a:ext uri="{91240B29-F687-4f45-9708-019B960494DF}">
+                <a14:hiddenLine xmlns="" xmlns:a14="http://schemas.microsoft.com/office/drawing/2010/main" w="9525">
                   <a:solidFill>
                     <a:srgbClr val="000000"/>
                   </a:solidFill>
@@ -3160,7 +3261,7 @@
         </p:sp>
         <p:sp>
           <p:nvSpPr>
-            <p:cNvPr id="26" name="Freeform 19"/>
+            <p:cNvPr id="81" name="Freeform 19"/>
             <p:cNvSpPr/>
             <p:nvPr/>
           </p:nvSpPr>
@@ -3207,8 +3308,8 @@
               <a:noFill/>
             </a:ln>
             <a:extLst>
-              <a:ext uri="{91240B29-F687-4F45-9708-019B960494DF}">
-                <a14:hiddenLine xmlns:a14="http://schemas.microsoft.com/office/drawing/2010/main" w="9525">
+              <a:ext uri="{91240B29-F687-4f45-9708-019B960494DF}">
+                <a14:hiddenLine xmlns="" xmlns:a14="http://schemas.microsoft.com/office/drawing/2010/main" w="9525">
                   <a:solidFill>
                     <a:srgbClr val="000000"/>
                   </a:solidFill>
@@ -3222,7 +3323,7 @@
         </p:sp>
         <p:sp>
           <p:nvSpPr>
-            <p:cNvPr id="27" name="Freeform 20"/>
+            <p:cNvPr id="82" name="Freeform 20"/>
             <p:cNvSpPr>
               <a:spLocks noEditPoints="1"/>
             </p:cNvSpPr>
@@ -3297,8 +3398,8 @@
               <a:noFill/>
             </a:ln>
             <a:extLst>
-              <a:ext uri="{91240B29-F687-4F45-9708-019B960494DF}">
-                <a14:hiddenLine xmlns:a14="http://schemas.microsoft.com/office/drawing/2010/main" w="9525">
+              <a:ext uri="{91240B29-F687-4f45-9708-019B960494DF}">
+                <a14:hiddenLine xmlns="" xmlns:a14="http://schemas.microsoft.com/office/drawing/2010/main" w="9525">
                   <a:solidFill>
                     <a:srgbClr val="000000"/>
                   </a:solidFill>
@@ -3312,7 +3413,7 @@
         </p:sp>
         <p:sp>
           <p:nvSpPr>
-            <p:cNvPr id="28" name="Freeform 21"/>
+            <p:cNvPr id="83" name="Freeform 21"/>
             <p:cNvSpPr>
               <a:spLocks noEditPoints="1"/>
             </p:cNvSpPr>
@@ -3387,8 +3488,8 @@
               <a:noFill/>
             </a:ln>
             <a:extLst>
-              <a:ext uri="{91240B29-F687-4F45-9708-019B960494DF}">
-                <a14:hiddenLine xmlns:a14="http://schemas.microsoft.com/office/drawing/2010/main" w="9525">
+              <a:ext uri="{91240B29-F687-4f45-9708-019B960494DF}">
+                <a14:hiddenLine xmlns="" xmlns:a14="http://schemas.microsoft.com/office/drawing/2010/main" w="9525">
                   <a:solidFill>
                     <a:srgbClr val="000000"/>
                   </a:solidFill>
@@ -3402,7 +3503,7 @@
         </p:sp>
         <p:sp>
           <p:nvSpPr>
-            <p:cNvPr id="29" name="Freeform 22"/>
+            <p:cNvPr id="84" name="Freeform 22"/>
             <p:cNvSpPr/>
             <p:nvPr/>
           </p:nvSpPr>
@@ -3449,8 +3550,8 @@
               <a:noFill/>
             </a:ln>
             <a:extLst>
-              <a:ext uri="{91240B29-F687-4F45-9708-019B960494DF}">
-                <a14:hiddenLine xmlns:a14="http://schemas.microsoft.com/office/drawing/2010/main" w="9525">
+              <a:ext uri="{91240B29-F687-4f45-9708-019B960494DF}">
+                <a14:hiddenLine xmlns="" xmlns:a14="http://schemas.microsoft.com/office/drawing/2010/main" w="9525">
                   <a:solidFill>
                     <a:srgbClr val="000000"/>
                   </a:solidFill>
@@ -3464,7 +3565,7 @@
         </p:sp>
         <p:sp>
           <p:nvSpPr>
-            <p:cNvPr id="30" name="Freeform 23"/>
+            <p:cNvPr id="85" name="Freeform 23"/>
             <p:cNvSpPr>
               <a:spLocks noEditPoints="1"/>
             </p:cNvSpPr>
@@ -3539,8 +3640,8 @@
               <a:noFill/>
             </a:ln>
             <a:extLst>
-              <a:ext uri="{91240B29-F687-4F45-9708-019B960494DF}">
-                <a14:hiddenLine xmlns:a14="http://schemas.microsoft.com/office/drawing/2010/main" w="9525">
+              <a:ext uri="{91240B29-F687-4f45-9708-019B960494DF}">
+                <a14:hiddenLine xmlns="" xmlns:a14="http://schemas.microsoft.com/office/drawing/2010/main" w="9525">
                   <a:solidFill>
                     <a:srgbClr val="000000"/>
                   </a:solidFill>
@@ -3554,7 +3655,7 @@
         </p:sp>
         <p:sp>
           <p:nvSpPr>
-            <p:cNvPr id="31" name="Freeform 24"/>
+            <p:cNvPr id="86" name="Freeform 24"/>
             <p:cNvSpPr>
               <a:spLocks noEditPoints="1"/>
             </p:cNvSpPr>
@@ -3629,8 +3730,8 @@
               <a:noFill/>
             </a:ln>
             <a:extLst>
-              <a:ext uri="{91240B29-F687-4F45-9708-019B960494DF}">
-                <a14:hiddenLine xmlns:a14="http://schemas.microsoft.com/office/drawing/2010/main" w="9525">
+              <a:ext uri="{91240B29-F687-4f45-9708-019B960494DF}">
+                <a14:hiddenLine xmlns="" xmlns:a14="http://schemas.microsoft.com/office/drawing/2010/main" w="9525">
                   <a:solidFill>
                     <a:srgbClr val="000000"/>
                   </a:solidFill>
@@ -3644,7 +3745,7 @@
         </p:sp>
         <p:sp>
           <p:nvSpPr>
-            <p:cNvPr id="32" name="Freeform 25"/>
+            <p:cNvPr id="87" name="Freeform 25"/>
             <p:cNvSpPr/>
             <p:nvPr/>
           </p:nvSpPr>
@@ -3685,8 +3786,8 @@
               <a:noFill/>
             </a:ln>
             <a:extLst>
-              <a:ext uri="{91240B29-F687-4F45-9708-019B960494DF}">
-                <a14:hiddenLine xmlns:a14="http://schemas.microsoft.com/office/drawing/2010/main" w="9525">
+              <a:ext uri="{91240B29-F687-4f45-9708-019B960494DF}">
+                <a14:hiddenLine xmlns="" xmlns:a14="http://schemas.microsoft.com/office/drawing/2010/main" w="9525">
                   <a:solidFill>
                     <a:srgbClr val="000000"/>
                   </a:solidFill>
@@ -3700,7 +3801,7 @@
         </p:sp>
         <p:sp>
           <p:nvSpPr>
-            <p:cNvPr id="33" name="Freeform 26"/>
+            <p:cNvPr id="88" name="Freeform 26"/>
             <p:cNvSpPr>
               <a:spLocks noEditPoints="1"/>
             </p:cNvSpPr>
@@ -3775,8 +3876,8 @@
               <a:noFill/>
             </a:ln>
             <a:extLst>
-              <a:ext uri="{91240B29-F687-4F45-9708-019B960494DF}">
-                <a14:hiddenLine xmlns:a14="http://schemas.microsoft.com/office/drawing/2010/main" w="9525">
+              <a:ext uri="{91240B29-F687-4f45-9708-019B960494DF}">
+                <a14:hiddenLine xmlns="" xmlns:a14="http://schemas.microsoft.com/office/drawing/2010/main" w="9525">
                   <a:solidFill>
                     <a:srgbClr val="000000"/>
                   </a:solidFill>
@@ -3790,7 +3891,7 @@
         </p:sp>
         <p:sp>
           <p:nvSpPr>
-            <p:cNvPr id="34" name="Freeform 27"/>
+            <p:cNvPr id="89" name="Freeform 27"/>
             <p:cNvSpPr/>
             <p:nvPr/>
           </p:nvSpPr>
@@ -3831,8 +3932,8 @@
               <a:noFill/>
             </a:ln>
             <a:extLst>
-              <a:ext uri="{91240B29-F687-4F45-9708-019B960494DF}">
-                <a14:hiddenLine xmlns:a14="http://schemas.microsoft.com/office/drawing/2010/main" w="9525">
+              <a:ext uri="{91240B29-F687-4f45-9708-019B960494DF}">
+                <a14:hiddenLine xmlns="" xmlns:a14="http://schemas.microsoft.com/office/drawing/2010/main" w="9525">
                   <a:solidFill>
                     <a:srgbClr val="000000"/>
                   </a:solidFill>
@@ -3846,7 +3947,7 @@
         </p:sp>
         <p:sp>
           <p:nvSpPr>
-            <p:cNvPr id="35" name="Freeform 28"/>
+            <p:cNvPr id="90" name="Freeform 28"/>
             <p:cNvSpPr>
               <a:spLocks noEditPoints="1"/>
             </p:cNvSpPr>
@@ -3921,8 +4022,8 @@
               <a:noFill/>
             </a:ln>
             <a:extLst>
-              <a:ext uri="{91240B29-F687-4F45-9708-019B960494DF}">
-                <a14:hiddenLine xmlns:a14="http://schemas.microsoft.com/office/drawing/2010/main" w="9525">
+              <a:ext uri="{91240B29-F687-4f45-9708-019B960494DF}">
+                <a14:hiddenLine xmlns="" xmlns:a14="http://schemas.microsoft.com/office/drawing/2010/main" w="9525">
                   <a:solidFill>
                     <a:srgbClr val="000000"/>
                   </a:solidFill>
@@ -3936,7 +4037,7 @@
         </p:sp>
         <p:sp>
           <p:nvSpPr>
-            <p:cNvPr id="36" name="Freeform 29"/>
+            <p:cNvPr id="91" name="Freeform 29"/>
             <p:cNvSpPr/>
             <p:nvPr/>
           </p:nvSpPr>
@@ -3989,8 +4090,8 @@
               <a:noFill/>
             </a:ln>
             <a:extLst>
-              <a:ext uri="{91240B29-F687-4F45-9708-019B960494DF}">
-                <a14:hiddenLine xmlns:a14="http://schemas.microsoft.com/office/drawing/2010/main" w="9525">
+              <a:ext uri="{91240B29-F687-4f45-9708-019B960494DF}">
+                <a14:hiddenLine xmlns="" xmlns:a14="http://schemas.microsoft.com/office/drawing/2010/main" w="9525">
                   <a:solidFill>
                     <a:srgbClr val="000000"/>
                   </a:solidFill>
@@ -4004,7 +4105,7 @@
         </p:sp>
         <p:sp>
           <p:nvSpPr>
-            <p:cNvPr id="37" name="Freeform 30"/>
+            <p:cNvPr id="92" name="Freeform 30"/>
             <p:cNvSpPr>
               <a:spLocks noEditPoints="1"/>
             </p:cNvSpPr>
@@ -4079,8 +4180,8 @@
               <a:noFill/>
             </a:ln>
             <a:extLst>
-              <a:ext uri="{91240B29-F687-4F45-9708-019B960494DF}">
-                <a14:hiddenLine xmlns:a14="http://schemas.microsoft.com/office/drawing/2010/main" w="9525">
+              <a:ext uri="{91240B29-F687-4f45-9708-019B960494DF}">
+                <a14:hiddenLine xmlns="" xmlns:a14="http://schemas.microsoft.com/office/drawing/2010/main" w="9525">
                   <a:solidFill>
                     <a:srgbClr val="000000"/>
                   </a:solidFill>
@@ -4094,7 +4195,7 @@
         </p:sp>
         <p:sp>
           <p:nvSpPr>
-            <p:cNvPr id="38" name="Freeform 31"/>
+            <p:cNvPr id="93" name="Freeform 31"/>
             <p:cNvSpPr/>
             <p:nvPr/>
           </p:nvSpPr>
@@ -4147,8 +4248,8 @@
               <a:noFill/>
             </a:ln>
             <a:extLst>
-              <a:ext uri="{91240B29-F687-4F45-9708-019B960494DF}">
-                <a14:hiddenLine xmlns:a14="http://schemas.microsoft.com/office/drawing/2010/main" w="9525">
+              <a:ext uri="{91240B29-F687-4f45-9708-019B960494DF}">
+                <a14:hiddenLine xmlns="" xmlns:a14="http://schemas.microsoft.com/office/drawing/2010/main" w="9525">
                   <a:solidFill>
                     <a:srgbClr val="000000"/>
                   </a:solidFill>
@@ -4162,7 +4263,7 @@
         </p:sp>
         <p:sp>
           <p:nvSpPr>
-            <p:cNvPr id="39" name="Freeform 32"/>
+            <p:cNvPr id="94" name="Freeform 32"/>
             <p:cNvSpPr>
               <a:spLocks noEditPoints="1"/>
             </p:cNvSpPr>
@@ -4237,8 +4338,8 @@
               <a:noFill/>
             </a:ln>
             <a:extLst>
-              <a:ext uri="{91240B29-F687-4F45-9708-019B960494DF}">
-                <a14:hiddenLine xmlns:a14="http://schemas.microsoft.com/office/drawing/2010/main" w="9525">
+              <a:ext uri="{91240B29-F687-4f45-9708-019B960494DF}">
+                <a14:hiddenLine xmlns="" xmlns:a14="http://schemas.microsoft.com/office/drawing/2010/main" w="9525">
                   <a:solidFill>
                     <a:srgbClr val="000000"/>
                   </a:solidFill>
@@ -4252,7 +4353,7 @@
         </p:sp>
         <p:sp>
           <p:nvSpPr>
-            <p:cNvPr id="40" name="Rectangle 33"/>
+            <p:cNvPr id="95" name="Rectangle 33"/>
             <p:cNvSpPr>
               <a:spLocks noChangeArrowheads="1"/>
             </p:cNvSpPr>
@@ -4271,8 +4372,8 @@
               <a:noFill/>
             </a:ln>
             <a:extLst>
-              <a:ext uri="{91240B29-F687-4F45-9708-019B960494DF}">
-                <a14:hiddenLine xmlns:a14="http://schemas.microsoft.com/office/drawing/2010/main" w="9525">
+              <a:ext uri="{91240B29-F687-4f45-9708-019B960494DF}">
+                <a14:hiddenLine xmlns="" xmlns:a14="http://schemas.microsoft.com/office/drawing/2010/main" w="9525">
                   <a:solidFill>
                     <a:srgbClr val="000000"/>
                   </a:solidFill>
@@ -4286,7 +4387,7 @@
         </p:sp>
         <p:sp>
           <p:nvSpPr>
-            <p:cNvPr id="41" name="Freeform 34"/>
+            <p:cNvPr id="96" name="Freeform 34"/>
             <p:cNvSpPr>
               <a:spLocks noEditPoints="1"/>
             </p:cNvSpPr>
@@ -4361,8 +4462,8 @@
               <a:noFill/>
             </a:ln>
             <a:extLst>
-              <a:ext uri="{91240B29-F687-4F45-9708-019B960494DF}">
-                <a14:hiddenLine xmlns:a14="http://schemas.microsoft.com/office/drawing/2010/main" w="9525">
+              <a:ext uri="{91240B29-F687-4f45-9708-019B960494DF}">
+                <a14:hiddenLine xmlns="" xmlns:a14="http://schemas.microsoft.com/office/drawing/2010/main" w="9525">
                   <a:solidFill>
                     <a:srgbClr val="000000"/>
                   </a:solidFill>
@@ -4376,7 +4477,7 @@
         </p:sp>
         <p:sp>
           <p:nvSpPr>
-            <p:cNvPr id="42" name="Freeform 35"/>
+            <p:cNvPr id="97" name="Freeform 35"/>
             <p:cNvSpPr/>
             <p:nvPr/>
           </p:nvSpPr>
@@ -4423,8 +4524,8 @@
               <a:noFill/>
             </a:ln>
             <a:extLst>
-              <a:ext uri="{91240B29-F687-4F45-9708-019B960494DF}">
-                <a14:hiddenLine xmlns:a14="http://schemas.microsoft.com/office/drawing/2010/main" w="9525">
+              <a:ext uri="{91240B29-F687-4f45-9708-019B960494DF}">
+                <a14:hiddenLine xmlns="" xmlns:a14="http://schemas.microsoft.com/office/drawing/2010/main" w="9525">
                   <a:solidFill>
                     <a:srgbClr val="000000"/>
                   </a:solidFill>
@@ -4438,7 +4539,7 @@
         </p:sp>
         <p:sp>
           <p:nvSpPr>
-            <p:cNvPr id="43" name="Freeform 36"/>
+            <p:cNvPr id="98" name="Freeform 36"/>
             <p:cNvSpPr/>
             <p:nvPr/>
           </p:nvSpPr>
@@ -4485,8 +4586,8 @@
               <a:noFill/>
             </a:ln>
             <a:extLst>
-              <a:ext uri="{91240B29-F687-4F45-9708-019B960494DF}">
-                <a14:hiddenLine xmlns:a14="http://schemas.microsoft.com/office/drawing/2010/main" w="9525">
+              <a:ext uri="{91240B29-F687-4f45-9708-019B960494DF}">
+                <a14:hiddenLine xmlns="" xmlns:a14="http://schemas.microsoft.com/office/drawing/2010/main" w="9525">
                   <a:solidFill>
                     <a:srgbClr val="000000"/>
                   </a:solidFill>
@@ -4500,7 +4601,7 @@
         </p:sp>
         <p:sp>
           <p:nvSpPr>
-            <p:cNvPr id="44" name="Freeform 37"/>
+            <p:cNvPr id="99" name="Freeform 37"/>
             <p:cNvSpPr>
               <a:spLocks noEditPoints="1"/>
             </p:cNvSpPr>
@@ -4575,8 +4676,8 @@
               <a:noFill/>
             </a:ln>
             <a:extLst>
-              <a:ext uri="{91240B29-F687-4F45-9708-019B960494DF}">
-                <a14:hiddenLine xmlns:a14="http://schemas.microsoft.com/office/drawing/2010/main" w="9525">
+              <a:ext uri="{91240B29-F687-4f45-9708-019B960494DF}">
+                <a14:hiddenLine xmlns="" xmlns:a14="http://schemas.microsoft.com/office/drawing/2010/main" w="9525">
                   <a:solidFill>
                     <a:srgbClr val="000000"/>
                   </a:solidFill>
@@ -4590,7 +4691,7 @@
         </p:sp>
         <p:sp>
           <p:nvSpPr>
-            <p:cNvPr id="45" name="Freeform 38"/>
+            <p:cNvPr id="100" name="Freeform 38"/>
             <p:cNvSpPr/>
             <p:nvPr/>
           </p:nvSpPr>
@@ -4643,8 +4744,8 @@
               <a:noFill/>
             </a:ln>
             <a:extLst>
-              <a:ext uri="{91240B29-F687-4F45-9708-019B960494DF}">
-                <a14:hiddenLine xmlns:a14="http://schemas.microsoft.com/office/drawing/2010/main" w="9525">
+              <a:ext uri="{91240B29-F687-4f45-9708-019B960494DF}">
+                <a14:hiddenLine xmlns="" xmlns:a14="http://schemas.microsoft.com/office/drawing/2010/main" w="9525">
                   <a:solidFill>
                     <a:srgbClr val="000000"/>
                   </a:solidFill>
@@ -4658,7 +4759,7 @@
         </p:sp>
         <p:sp>
           <p:nvSpPr>
-            <p:cNvPr id="46" name="Freeform 39"/>
+            <p:cNvPr id="101" name="Freeform 39"/>
             <p:cNvSpPr/>
             <p:nvPr/>
           </p:nvSpPr>
@@ -4705,8 +4806,8 @@
               <a:noFill/>
             </a:ln>
             <a:extLst>
-              <a:ext uri="{91240B29-F687-4F45-9708-019B960494DF}">
-                <a14:hiddenLine xmlns:a14="http://schemas.microsoft.com/office/drawing/2010/main" w="9525">
+              <a:ext uri="{91240B29-F687-4f45-9708-019B960494DF}">
+                <a14:hiddenLine xmlns="" xmlns:a14="http://schemas.microsoft.com/office/drawing/2010/main" w="9525">
                   <a:solidFill>
                     <a:srgbClr val="000000"/>
                   </a:solidFill>
@@ -4720,7 +4821,7 @@
         </p:sp>
         <p:sp>
           <p:nvSpPr>
-            <p:cNvPr id="47" name="Freeform 40"/>
+            <p:cNvPr id="102" name="Freeform 40"/>
             <p:cNvSpPr>
               <a:spLocks noEditPoints="1"/>
             </p:cNvSpPr>
@@ -4795,8 +4896,8 @@
               <a:noFill/>
             </a:ln>
             <a:extLst>
-              <a:ext uri="{91240B29-F687-4F45-9708-019B960494DF}">
-                <a14:hiddenLine xmlns:a14="http://schemas.microsoft.com/office/drawing/2010/main" w="9525">
+              <a:ext uri="{91240B29-F687-4f45-9708-019B960494DF}">
+                <a14:hiddenLine xmlns="" xmlns:a14="http://schemas.microsoft.com/office/drawing/2010/main" w="9525">
                   <a:solidFill>
                     <a:srgbClr val="000000"/>
                   </a:solidFill>
@@ -4810,7 +4911,7 @@
         </p:sp>
         <p:sp>
           <p:nvSpPr>
-            <p:cNvPr id="48" name="Freeform 41"/>
+            <p:cNvPr id="103" name="Freeform 41"/>
             <p:cNvSpPr/>
             <p:nvPr/>
           </p:nvSpPr>
@@ -4857,8 +4958,8 @@
               <a:noFill/>
             </a:ln>
             <a:extLst>
-              <a:ext uri="{91240B29-F687-4F45-9708-019B960494DF}">
-                <a14:hiddenLine xmlns:a14="http://schemas.microsoft.com/office/drawing/2010/main" w="9525">
+              <a:ext uri="{91240B29-F687-4f45-9708-019B960494DF}">
+                <a14:hiddenLine xmlns="" xmlns:a14="http://schemas.microsoft.com/office/drawing/2010/main" w="9525">
                   <a:solidFill>
                     <a:srgbClr val="000000"/>
                   </a:solidFill>
@@ -4872,7 +4973,7 @@
         </p:sp>
         <p:sp>
           <p:nvSpPr>
-            <p:cNvPr id="49" name="Freeform 42"/>
+            <p:cNvPr id="104" name="Freeform 42"/>
             <p:cNvSpPr>
               <a:spLocks noEditPoints="1"/>
             </p:cNvSpPr>
@@ -4947,8 +5048,8 @@
               <a:noFill/>
             </a:ln>
             <a:extLst>
-              <a:ext uri="{91240B29-F687-4F45-9708-019B960494DF}">
-                <a14:hiddenLine xmlns:a14="http://schemas.microsoft.com/office/drawing/2010/main" w="9525">
+              <a:ext uri="{91240B29-F687-4f45-9708-019B960494DF}">
+                <a14:hiddenLine xmlns="" xmlns:a14="http://schemas.microsoft.com/office/drawing/2010/main" w="9525">
                   <a:solidFill>
                     <a:srgbClr val="000000"/>
                   </a:solidFill>
@@ -4962,7 +5063,7 @@
         </p:sp>
         <p:sp>
           <p:nvSpPr>
-            <p:cNvPr id="50" name="Freeform 43"/>
+            <p:cNvPr id="105" name="Freeform 43"/>
             <p:cNvSpPr/>
             <p:nvPr/>
           </p:nvSpPr>
@@ -5009,8 +5110,8 @@
               <a:noFill/>
             </a:ln>
             <a:extLst>
-              <a:ext uri="{91240B29-F687-4F45-9708-019B960494DF}">
-                <a14:hiddenLine xmlns:a14="http://schemas.microsoft.com/office/drawing/2010/main" w="9525">
+              <a:ext uri="{91240B29-F687-4f45-9708-019B960494DF}">
+                <a14:hiddenLine xmlns="" xmlns:a14="http://schemas.microsoft.com/office/drawing/2010/main" w="9525">
                   <a:solidFill>
                     <a:srgbClr val="000000"/>
                   </a:solidFill>
@@ -5024,7 +5125,7 @@
         </p:sp>
         <p:sp>
           <p:nvSpPr>
-            <p:cNvPr id="51" name="Freeform 44"/>
+            <p:cNvPr id="106" name="Freeform 44"/>
             <p:cNvSpPr>
               <a:spLocks noEditPoints="1"/>
             </p:cNvSpPr>
@@ -5099,8 +5200,8 @@
               <a:noFill/>
             </a:ln>
             <a:extLst>
-              <a:ext uri="{91240B29-F687-4F45-9708-019B960494DF}">
-                <a14:hiddenLine xmlns:a14="http://schemas.microsoft.com/office/drawing/2010/main" w="9525">
+              <a:ext uri="{91240B29-F687-4f45-9708-019B960494DF}">
+                <a14:hiddenLine xmlns="" xmlns:a14="http://schemas.microsoft.com/office/drawing/2010/main" w="9525">
                   <a:solidFill>
                     <a:srgbClr val="000000"/>
                   </a:solidFill>
@@ -5114,7 +5215,7 @@
         </p:sp>
         <p:sp>
           <p:nvSpPr>
-            <p:cNvPr id="52" name="Rectangle 45"/>
+            <p:cNvPr id="107" name="Rectangle 45"/>
             <p:cNvSpPr>
               <a:spLocks noChangeArrowheads="1"/>
             </p:cNvSpPr>
@@ -5133,8 +5234,8 @@
               <a:noFill/>
             </a:ln>
             <a:extLst>
-              <a:ext uri="{91240B29-F687-4F45-9708-019B960494DF}">
-                <a14:hiddenLine xmlns:a14="http://schemas.microsoft.com/office/drawing/2010/main" w="9525">
+              <a:ext uri="{91240B29-F687-4f45-9708-019B960494DF}">
+                <a14:hiddenLine xmlns="" xmlns:a14="http://schemas.microsoft.com/office/drawing/2010/main" w="9525">
                   <a:solidFill>
                     <a:srgbClr val="000000"/>
                   </a:solidFill>
@@ -5148,7 +5249,7 @@
         </p:sp>
         <p:sp>
           <p:nvSpPr>
-            <p:cNvPr id="53" name="Freeform 46"/>
+            <p:cNvPr id="108" name="Freeform 46"/>
             <p:cNvSpPr/>
             <p:nvPr/>
           </p:nvSpPr>
@@ -5198,8 +5299,8 @@
               <a:noFill/>
             </a:ln>
             <a:extLst>
-              <a:ext uri="{91240B29-F687-4F45-9708-019B960494DF}">
-                <a14:hiddenLine xmlns:a14="http://schemas.microsoft.com/office/drawing/2010/main" w="9525">
+              <a:ext uri="{91240B29-F687-4f45-9708-019B960494DF}">
+                <a14:hiddenLine xmlns="" xmlns:a14="http://schemas.microsoft.com/office/drawing/2010/main" w="9525">
                   <a:solidFill>
                     <a:srgbClr val="000000"/>
                   </a:solidFill>
@@ -5213,7 +5314,7 @@
         </p:sp>
         <p:sp>
           <p:nvSpPr>
-            <p:cNvPr id="54" name="Freeform 47"/>
+            <p:cNvPr id="109" name="Freeform 47"/>
             <p:cNvSpPr>
               <a:spLocks noEditPoints="1"/>
             </p:cNvSpPr>
@@ -5288,8 +5389,8 @@
               <a:noFill/>
             </a:ln>
             <a:extLst>
-              <a:ext uri="{91240B29-F687-4F45-9708-019B960494DF}">
-                <a14:hiddenLine xmlns:a14="http://schemas.microsoft.com/office/drawing/2010/main" w="9525">
+              <a:ext uri="{91240B29-F687-4f45-9708-019B960494DF}">
+                <a14:hiddenLine xmlns="" xmlns:a14="http://schemas.microsoft.com/office/drawing/2010/main" w="9525">
                   <a:solidFill>
                     <a:srgbClr val="000000"/>
                   </a:solidFill>
@@ -5303,7 +5404,7 @@
         </p:sp>
         <p:sp>
           <p:nvSpPr>
-            <p:cNvPr id="55" name="Freeform 48"/>
+            <p:cNvPr id="110" name="Freeform 48"/>
             <p:cNvSpPr/>
             <p:nvPr/>
           </p:nvSpPr>
@@ -5350,8 +5451,8 @@
               <a:noFill/>
             </a:ln>
             <a:extLst>
-              <a:ext uri="{91240B29-F687-4F45-9708-019B960494DF}">
-                <a14:hiddenLine xmlns:a14="http://schemas.microsoft.com/office/drawing/2010/main" w="9525">
+              <a:ext uri="{91240B29-F687-4f45-9708-019B960494DF}">
+                <a14:hiddenLine xmlns="" xmlns:a14="http://schemas.microsoft.com/office/drawing/2010/main" w="9525">
                   <a:solidFill>
                     <a:srgbClr val="000000"/>
                   </a:solidFill>
@@ -5365,7 +5466,7 @@
         </p:sp>
         <p:sp>
           <p:nvSpPr>
-            <p:cNvPr id="56" name="Freeform 49"/>
+            <p:cNvPr id="111" name="Freeform 49"/>
             <p:cNvSpPr>
               <a:spLocks noEditPoints="1"/>
             </p:cNvSpPr>
@@ -5440,8 +5541,8 @@
               <a:noFill/>
             </a:ln>
             <a:extLst>
-              <a:ext uri="{91240B29-F687-4F45-9708-019B960494DF}">
-                <a14:hiddenLine xmlns:a14="http://schemas.microsoft.com/office/drawing/2010/main" w="9525">
+              <a:ext uri="{91240B29-F687-4f45-9708-019B960494DF}">
+                <a14:hiddenLine xmlns="" xmlns:a14="http://schemas.microsoft.com/office/drawing/2010/main" w="9525">
                   <a:solidFill>
                     <a:srgbClr val="000000"/>
                   </a:solidFill>
@@ -5455,7 +5556,7 @@
         </p:sp>
         <p:sp>
           <p:nvSpPr>
-            <p:cNvPr id="57" name="Freeform 50"/>
+            <p:cNvPr id="112" name="Freeform 50"/>
             <p:cNvSpPr>
               <a:spLocks noEditPoints="1"/>
             </p:cNvSpPr>
@@ -5530,8 +5631,8 @@
               <a:noFill/>
             </a:ln>
             <a:extLst>
-              <a:ext uri="{91240B29-F687-4F45-9708-019B960494DF}">
-                <a14:hiddenLine xmlns:a14="http://schemas.microsoft.com/office/drawing/2010/main" w="9525">
+              <a:ext uri="{91240B29-F687-4f45-9708-019B960494DF}">
+                <a14:hiddenLine xmlns="" xmlns:a14="http://schemas.microsoft.com/office/drawing/2010/main" w="9525">
                   <a:solidFill>
                     <a:srgbClr val="000000"/>
                   </a:solidFill>
@@ -5545,7 +5646,7 @@
         </p:sp>
         <p:sp>
           <p:nvSpPr>
-            <p:cNvPr id="58" name="Freeform 51"/>
+            <p:cNvPr id="113" name="Freeform 51"/>
             <p:cNvSpPr/>
             <p:nvPr/>
           </p:nvSpPr>
@@ -5595,8 +5696,8 @@
               <a:noFill/>
             </a:ln>
             <a:extLst>
-              <a:ext uri="{91240B29-F687-4F45-9708-019B960494DF}">
-                <a14:hiddenLine xmlns:a14="http://schemas.microsoft.com/office/drawing/2010/main" w="9525">
+              <a:ext uri="{91240B29-F687-4f45-9708-019B960494DF}">
+                <a14:hiddenLine xmlns="" xmlns:a14="http://schemas.microsoft.com/office/drawing/2010/main" w="9525">
                   <a:solidFill>
                     <a:srgbClr val="000000"/>
                   </a:solidFill>
@@ -5610,7 +5711,7 @@
         </p:sp>
         <p:sp>
           <p:nvSpPr>
-            <p:cNvPr id="59" name="Freeform 52"/>
+            <p:cNvPr id="114" name="Freeform 52"/>
             <p:cNvSpPr/>
             <p:nvPr/>
           </p:nvSpPr>
@@ -5657,8 +5758,8 @@
               <a:noFill/>
             </a:ln>
             <a:extLst>
-              <a:ext uri="{91240B29-F687-4F45-9708-019B960494DF}">
-                <a14:hiddenLine xmlns:a14="http://schemas.microsoft.com/office/drawing/2010/main" w="9525">
+              <a:ext uri="{91240B29-F687-4f45-9708-019B960494DF}">
+                <a14:hiddenLine xmlns="" xmlns:a14="http://schemas.microsoft.com/office/drawing/2010/main" w="9525">
                   <a:solidFill>
                     <a:srgbClr val="000000"/>
                   </a:solidFill>
@@ -5672,7 +5773,7 @@
         </p:sp>
         <p:sp>
           <p:nvSpPr>
-            <p:cNvPr id="60" name="Freeform 53"/>
+            <p:cNvPr id="115" name="Freeform 53"/>
             <p:cNvSpPr>
               <a:spLocks noEditPoints="1"/>
             </p:cNvSpPr>
@@ -5747,8 +5848,8 @@
               <a:noFill/>
             </a:ln>
             <a:extLst>
-              <a:ext uri="{91240B29-F687-4F45-9708-019B960494DF}">
-                <a14:hiddenLine xmlns:a14="http://schemas.microsoft.com/office/drawing/2010/main" w="9525">
+              <a:ext uri="{91240B29-F687-4f45-9708-019B960494DF}">
+                <a14:hiddenLine xmlns="" xmlns:a14="http://schemas.microsoft.com/office/drawing/2010/main" w="9525">
                   <a:solidFill>
                     <a:srgbClr val="000000"/>
                   </a:solidFill>
@@ -5762,7 +5863,7 @@
         </p:sp>
         <p:sp>
           <p:nvSpPr>
-            <p:cNvPr id="61" name="Freeform 54"/>
+            <p:cNvPr id="116" name="Freeform 54"/>
             <p:cNvSpPr>
               <a:spLocks noEditPoints="1"/>
             </p:cNvSpPr>
@@ -5837,8 +5938,8 @@
               <a:noFill/>
             </a:ln>
             <a:extLst>
-              <a:ext uri="{91240B29-F687-4F45-9708-019B960494DF}">
-                <a14:hiddenLine xmlns:a14="http://schemas.microsoft.com/office/drawing/2010/main" w="9525">
+              <a:ext uri="{91240B29-F687-4f45-9708-019B960494DF}">
+                <a14:hiddenLine xmlns="" xmlns:a14="http://schemas.microsoft.com/office/drawing/2010/main" w="9525">
                   <a:solidFill>
                     <a:srgbClr val="000000"/>
                   </a:solidFill>
@@ -5852,7 +5953,7 @@
         </p:sp>
         <p:sp>
           <p:nvSpPr>
-            <p:cNvPr id="62" name="Freeform 55"/>
+            <p:cNvPr id="117" name="Freeform 55"/>
             <p:cNvSpPr/>
             <p:nvPr/>
           </p:nvSpPr>
@@ -5899,8 +6000,8 @@
               <a:noFill/>
             </a:ln>
             <a:extLst>
-              <a:ext uri="{91240B29-F687-4F45-9708-019B960494DF}">
-                <a14:hiddenLine xmlns:a14="http://schemas.microsoft.com/office/drawing/2010/main" w="9525">
+              <a:ext uri="{91240B29-F687-4f45-9708-019B960494DF}">
+                <a14:hiddenLine xmlns="" xmlns:a14="http://schemas.microsoft.com/office/drawing/2010/main" w="9525">
                   <a:solidFill>
                     <a:srgbClr val="000000"/>
                   </a:solidFill>
@@ -5914,7 +6015,7 @@
         </p:sp>
         <p:sp>
           <p:nvSpPr>
-            <p:cNvPr id="63" name="Freeform 56"/>
+            <p:cNvPr id="118" name="Freeform 56"/>
             <p:cNvSpPr>
               <a:spLocks noEditPoints="1"/>
             </p:cNvSpPr>
@@ -6019,8 +6120,8 @@
               <a:noFill/>
             </a:ln>
             <a:extLst>
-              <a:ext uri="{91240B29-F687-4F45-9708-019B960494DF}">
-                <a14:hiddenLine xmlns:a14="http://schemas.microsoft.com/office/drawing/2010/main" w="9525">
+              <a:ext uri="{91240B29-F687-4f45-9708-019B960494DF}">
+                <a14:hiddenLine xmlns="" xmlns:a14="http://schemas.microsoft.com/office/drawing/2010/main" w="9525">
                   <a:solidFill>
                     <a:srgbClr val="000000"/>
                   </a:solidFill>
@@ -6034,7 +6135,7 @@
         </p:sp>
         <p:sp>
           <p:nvSpPr>
-            <p:cNvPr id="64" name="Freeform 57"/>
+            <p:cNvPr id="119" name="Freeform 57"/>
             <p:cNvSpPr/>
             <p:nvPr/>
           </p:nvSpPr>
@@ -6087,8 +6188,8 @@
               <a:noFill/>
             </a:ln>
             <a:extLst>
-              <a:ext uri="{91240B29-F687-4F45-9708-019B960494DF}">
-                <a14:hiddenLine xmlns:a14="http://schemas.microsoft.com/office/drawing/2010/main" w="9525">
+              <a:ext uri="{91240B29-F687-4f45-9708-019B960494DF}">
+                <a14:hiddenLine xmlns="" xmlns:a14="http://schemas.microsoft.com/office/drawing/2010/main" w="9525">
                   <a:solidFill>
                     <a:srgbClr val="000000"/>
                   </a:solidFill>
@@ -6102,7 +6203,7 @@
         </p:sp>
         <p:sp>
           <p:nvSpPr>
-            <p:cNvPr id="65" name="Freeform 58"/>
+            <p:cNvPr id="120" name="Freeform 58"/>
             <p:cNvSpPr>
               <a:spLocks noEditPoints="1"/>
             </p:cNvSpPr>
@@ -6177,8 +6278,8 @@
               <a:noFill/>
             </a:ln>
             <a:extLst>
-              <a:ext uri="{91240B29-F687-4F45-9708-019B960494DF}">
-                <a14:hiddenLine xmlns:a14="http://schemas.microsoft.com/office/drawing/2010/main" w="9525">
+              <a:ext uri="{91240B29-F687-4f45-9708-019B960494DF}">
+                <a14:hiddenLine xmlns="" xmlns:a14="http://schemas.microsoft.com/office/drawing/2010/main" w="9525">
                   <a:solidFill>
                     <a:srgbClr val="000000"/>
                   </a:solidFill>
@@ -6203,8 +6304,8 @@
         </p:nvSpPr>
         <p:spPr>
           <a:xfrm>
-            <a:off x="1876424" y="1122363"/>
-            <a:ext cx="8791575" cy="2387600"/>
+            <a:off x="1900238" y="1122363"/>
+            <a:ext cx="6593681" cy="2387600"/>
           </a:xfrm>
         </p:spPr>
         <p:txBody>
@@ -6237,8 +6338,8 @@
         </p:nvSpPr>
         <p:spPr>
           <a:xfrm>
-            <a:off x="1876424" y="3602038"/>
-            <a:ext cx="8791575" cy="1655762"/>
+            <a:off x="1900238" y="3602038"/>
+            <a:ext cx="6593681" cy="1655762"/>
           </a:xfrm>
         </p:spPr>
         <p:txBody>
@@ -6308,8 +6409,8 @@
         </p:nvSpPr>
         <p:spPr>
           <a:xfrm>
-            <a:off x="7077511" y="5410201"/>
-            <a:ext cx="2743200" cy="365125"/>
+            <a:off x="5801052" y="5410202"/>
+            <a:ext cx="2057400" cy="365125"/>
           </a:xfrm>
         </p:spPr>
         <p:txBody>
@@ -6336,8 +6437,8 @@
         </p:nvSpPr>
         <p:spPr>
           <a:xfrm>
-            <a:off x="1876424" y="5410201"/>
-            <a:ext cx="5124886" cy="365125"/>
+            <a:off x="1900237" y="5410202"/>
+            <a:ext cx="3843665" cy="365125"/>
           </a:xfrm>
         </p:spPr>
         <p:txBody>
@@ -6360,8 +6461,8 @@
         </p:nvSpPr>
         <p:spPr>
           <a:xfrm>
-            <a:off x="9896911" y="5410199"/>
-            <a:ext cx="771089" cy="365125"/>
+            <a:off x="7915603" y="5410200"/>
+            <a:ext cx="578317" cy="365125"/>
           </a:xfrm>
         </p:spPr>
         <p:txBody>
@@ -6379,7 +6480,7 @@
     </p:spTree>
     <p:extLst>
       <p:ext uri="{BB962C8B-B14F-4D97-AF65-F5344CB8AC3E}">
-        <p14:creationId xmlns:p14="http://schemas.microsoft.com/office/powerpoint/2010/main" val="601088399"/>
+        <p14:creationId xmlns:p14="http://schemas.microsoft.com/office/powerpoint/2010/main" val="1032431904"/>
       </p:ext>
     </p:extLst>
   </p:cSld>
@@ -6418,8 +6519,8 @@
         </p:nvSpPr>
         <p:spPr>
           <a:xfrm>
-            <a:off x="1141410" y="4304664"/>
-            <a:ext cx="9912355" cy="819355"/>
+            <a:off x="856058" y="4304665"/>
+            <a:ext cx="7434266" cy="819355"/>
           </a:xfrm>
         </p:spPr>
         <p:txBody>
@@ -6452,12 +6553,12 @@
         </p:nvSpPr>
         <p:spPr>
           <a:xfrm>
-            <a:off x="1141411" y="606426"/>
-            <a:ext cx="9912354" cy="3299778"/>
+            <a:off x="856058" y="606426"/>
+            <a:ext cx="7434266" cy="3299778"/>
           </a:xfrm>
           <a:prstGeom prst="round2DiagRect">
             <a:avLst>
-              <a:gd name="adj1" fmla="val 4860"/>
+              <a:gd name="adj1" fmla="val 5101"/>
               <a:gd name="adj2" fmla="val 0"/>
             </a:avLst>
           </a:prstGeom>
@@ -6513,8 +6614,8 @@
         </p:nvSpPr>
         <p:spPr>
           <a:xfrm>
-            <a:off x="1141364" y="5124020"/>
-            <a:ext cx="9910859" cy="682472"/>
+            <a:off x="856024" y="5124020"/>
+            <a:ext cx="7433144" cy="682472"/>
           </a:xfrm>
         </p:spPr>
         <p:txBody>
@@ -6636,7 +6737,7 @@
     </p:spTree>
     <p:extLst>
       <p:ext uri="{BB962C8B-B14F-4D97-AF65-F5344CB8AC3E}">
-        <p14:creationId xmlns:p14="http://schemas.microsoft.com/office/powerpoint/2010/main" val="1717397116"/>
+        <p14:creationId xmlns:p14="http://schemas.microsoft.com/office/powerpoint/2010/main" val="595532445"/>
       </p:ext>
     </p:extLst>
   </p:cSld>
@@ -6675,8 +6776,8 @@
         </p:nvSpPr>
         <p:spPr>
           <a:xfrm>
-            <a:off x="1141456" y="609600"/>
-            <a:ext cx="9905955" cy="3429000"/>
+            <a:off x="856093" y="609600"/>
+            <a:ext cx="7429466" cy="3429000"/>
           </a:xfrm>
         </p:spPr>
         <p:txBody>
@@ -6709,8 +6810,8 @@
         </p:nvSpPr>
         <p:spPr>
           <a:xfrm>
-            <a:off x="1141410" y="4419599"/>
-            <a:ext cx="9904459" cy="1371599"/>
+            <a:off x="856058" y="4419600"/>
+            <a:ext cx="7428344" cy="1371599"/>
           </a:xfrm>
         </p:spPr>
         <p:txBody>
@@ -6832,7 +6933,7 @@
     </p:spTree>
     <p:extLst>
       <p:ext uri="{BB962C8B-B14F-4D97-AF65-F5344CB8AC3E}">
-        <p14:creationId xmlns:p14="http://schemas.microsoft.com/office/powerpoint/2010/main" val="676600169"/>
+        <p14:creationId xmlns:p14="http://schemas.microsoft.com/office/powerpoint/2010/main" val="3986166284"/>
       </p:ext>
     </p:extLst>
   </p:cSld>
@@ -6871,8 +6972,8 @@
         </p:nvSpPr>
         <p:spPr>
           <a:xfrm>
-            <a:off x="1446212" y="609599"/>
-            <a:ext cx="9302752" cy="2748429"/>
+            <a:off x="1084659" y="609600"/>
+            <a:ext cx="6977064" cy="2748429"/>
           </a:xfrm>
         </p:spPr>
         <p:txBody>
@@ -6905,8 +7006,8 @@
         </p:nvSpPr>
         <p:spPr>
           <a:xfrm>
-            <a:off x="1720644" y="3365557"/>
-            <a:ext cx="8752299" cy="548968"/>
+            <a:off x="1290484" y="3365557"/>
+            <a:ext cx="6564224" cy="548968"/>
           </a:xfrm>
         </p:spPr>
         <p:txBody>
@@ -6972,8 +7073,8 @@
         </p:nvSpPr>
         <p:spPr>
           <a:xfrm>
-            <a:off x="1141411" y="4309919"/>
-            <a:ext cx="9906002" cy="1489496"/>
+            <a:off x="856058" y="4309919"/>
+            <a:ext cx="7429502" cy="1489496"/>
           </a:xfrm>
         </p:spPr>
         <p:txBody>
@@ -7094,14 +7195,14 @@
       </p:sp>
       <p:sp>
         <p:nvSpPr>
-          <p:cNvPr id="60" name="TextBox 59"/>
+          <p:cNvPr id="52" name="TextBox 51"/>
           <p:cNvSpPr txBox="1"/>
           <p:nvPr/>
         </p:nvSpPr>
         <p:spPr>
           <a:xfrm>
-            <a:off x="903512" y="732394"/>
-            <a:ext cx="609600" cy="584776"/>
+            <a:off x="696579" y="718458"/>
+            <a:ext cx="457200" cy="584776"/>
           </a:xfrm>
           <a:prstGeom prst="rect">
             <a:avLst/>
@@ -7198,7 +7299,7 @@
             </a:lvl9pPr>
           </a:lstStyle>
           <a:p>
-            <a:pPr lvl="0" algn="r"/>
+            <a:pPr lvl="0"/>
             <a:r>
               <a:rPr lang="en-US" sz="8000" dirty="0">
                 <a:solidFill>
@@ -7213,14 +7314,14 @@
       </p:sp>
       <p:sp>
         <p:nvSpPr>
-          <p:cNvPr id="61" name="TextBox 60"/>
+          <p:cNvPr id="53" name="TextBox 52"/>
           <p:cNvSpPr txBox="1"/>
           <p:nvPr/>
         </p:nvSpPr>
         <p:spPr>
           <a:xfrm>
-            <a:off x="10537370" y="2764972"/>
-            <a:ext cx="609600" cy="584776"/>
+            <a:off x="7817473" y="2764972"/>
+            <a:ext cx="457200" cy="584776"/>
           </a:xfrm>
           <a:prstGeom prst="rect">
             <a:avLst/>
@@ -7317,7 +7418,7 @@
             </a:lvl9pPr>
           </a:lstStyle>
           <a:p>
-            <a:pPr lvl="0" algn="r"/>
+            <a:pPr lvl="0"/>
             <a:r>
               <a:rPr lang="en-US" sz="8000" dirty="0">
                 <a:solidFill>
@@ -7333,7 +7434,7 @@
     </p:spTree>
     <p:extLst>
       <p:ext uri="{BB962C8B-B14F-4D97-AF65-F5344CB8AC3E}">
-        <p14:creationId xmlns:p14="http://schemas.microsoft.com/office/powerpoint/2010/main" val="3390596255"/>
+        <p14:creationId xmlns:p14="http://schemas.microsoft.com/office/powerpoint/2010/main" val="1954864665"/>
       </p:ext>
     </p:extLst>
   </p:cSld>
@@ -7372,8 +7473,8 @@
         </p:nvSpPr>
         <p:spPr>
           <a:xfrm>
-            <a:off x="1141410" y="2134041"/>
-            <a:ext cx="9906001" cy="2511835"/>
+            <a:off x="856058" y="2134042"/>
+            <a:ext cx="7429501" cy="2511835"/>
           </a:xfrm>
         </p:spPr>
         <p:txBody>
@@ -7406,8 +7507,8 @@
         </p:nvSpPr>
         <p:spPr>
           <a:xfrm>
-            <a:off x="1141364" y="4657655"/>
-            <a:ext cx="9904505" cy="1140644"/>
+            <a:off x="856023" y="4657655"/>
+            <a:ext cx="7428379" cy="1140644"/>
           </a:xfrm>
         </p:spPr>
         <p:txBody>
@@ -7529,7 +7630,7 @@
     </p:spTree>
     <p:extLst>
       <p:ext uri="{BB962C8B-B14F-4D97-AF65-F5344CB8AC3E}">
-        <p14:creationId xmlns:p14="http://schemas.microsoft.com/office/powerpoint/2010/main" val="2265929384"/>
+        <p14:creationId xmlns:p14="http://schemas.microsoft.com/office/powerpoint/2010/main" val="3620178492"/>
       </p:ext>
     </p:extLst>
   </p:cSld>
@@ -7568,8 +7669,8 @@
         </p:nvSpPr>
         <p:spPr>
           <a:xfrm>
-            <a:off x="1141413" y="609600"/>
-            <a:ext cx="9905998" cy="1905000"/>
+            <a:off x="856060" y="609600"/>
+            <a:ext cx="7429499" cy="1905000"/>
           </a:xfrm>
         </p:spPr>
         <p:txBody>
@@ -7596,8 +7697,8 @@
         </p:nvSpPr>
         <p:spPr>
           <a:xfrm>
-            <a:off x="1141410" y="2674463"/>
-            <a:ext cx="3196899" cy="685800"/>
+            <a:off x="856058" y="2674463"/>
+            <a:ext cx="2397674" cy="685800"/>
           </a:xfrm>
         </p:spPr>
         <p:txBody>
@@ -7610,7 +7711,7 @@
                 <a:spcPct val="90000"/>
               </a:lnSpc>
               <a:buNone/>
-              <a:defRPr sz="2400" b="0" cap="all" baseline="0">
+              <a:defRPr sz="2000" b="0" cap="all" baseline="0">
                 <a:solidFill>
                   <a:schemeClr val="tx1"/>
                 </a:solidFill>
@@ -7670,8 +7771,8 @@
         </p:nvSpPr>
         <p:spPr>
           <a:xfrm>
-            <a:off x="1127918" y="3360263"/>
-            <a:ext cx="3208735" cy="2430936"/>
+            <a:off x="856059" y="3360263"/>
+            <a:ext cx="2396432" cy="2430936"/>
           </a:xfrm>
         </p:spPr>
         <p:txBody>
@@ -7737,8 +7838,8 @@
         </p:nvSpPr>
         <p:spPr>
           <a:xfrm>
-            <a:off x="4514766" y="2677635"/>
-            <a:ext cx="3184385" cy="685800"/>
+            <a:off x="3386075" y="2677635"/>
+            <a:ext cx="2388289" cy="685800"/>
           </a:xfrm>
         </p:spPr>
         <p:txBody>
@@ -7751,7 +7852,7 @@
                 <a:spcPct val="90000"/>
               </a:lnSpc>
               <a:buNone/>
-              <a:defRPr sz="2400" b="0" cap="all" baseline="0">
+              <a:defRPr sz="2000" b="0" cap="all" baseline="0">
                 <a:solidFill>
                   <a:schemeClr val="tx1"/>
                 </a:solidFill>
@@ -7811,8 +7912,8 @@
         </p:nvSpPr>
         <p:spPr>
           <a:xfrm>
-            <a:off x="4504213" y="3363435"/>
-            <a:ext cx="3195830" cy="2430936"/>
+            <a:off x="3386075" y="3363435"/>
+            <a:ext cx="2388958" cy="2430936"/>
           </a:xfrm>
         </p:spPr>
         <p:txBody>
@@ -7878,8 +7979,8 @@
         </p:nvSpPr>
         <p:spPr>
           <a:xfrm>
-            <a:off x="7852442" y="2674463"/>
-            <a:ext cx="3194968" cy="685800"/>
+            <a:off x="5889332" y="2674463"/>
+            <a:ext cx="2396226" cy="685800"/>
           </a:xfrm>
         </p:spPr>
         <p:txBody>
@@ -7892,7 +7993,7 @@
                 <a:spcPct val="90000"/>
               </a:lnSpc>
               <a:buNone/>
-              <a:defRPr sz="2400" b="0" cap="all" baseline="0">
+              <a:defRPr sz="2000" b="0" cap="all" baseline="0">
                 <a:solidFill>
                   <a:schemeClr val="tx1"/>
                 </a:solidFill>
@@ -7952,8 +8053,8 @@
         </p:nvSpPr>
         <p:spPr>
           <a:xfrm>
-            <a:off x="7852442" y="3360263"/>
-            <a:ext cx="3194968" cy="2430936"/>
+            <a:off x="5889332" y="3360263"/>
+            <a:ext cx="2396226" cy="2430936"/>
           </a:xfrm>
         </p:spPr>
         <p:txBody>
@@ -8075,7 +8176,7 @@
     </p:spTree>
     <p:extLst>
       <p:ext uri="{BB962C8B-B14F-4D97-AF65-F5344CB8AC3E}">
-        <p14:creationId xmlns:p14="http://schemas.microsoft.com/office/powerpoint/2010/main" val="3936257854"/>
+        <p14:creationId xmlns:p14="http://schemas.microsoft.com/office/powerpoint/2010/main" val="1147648948"/>
       </p:ext>
     </p:extLst>
   </p:cSld>
@@ -8114,8 +8215,8 @@
         </p:nvSpPr>
         <p:spPr>
           <a:xfrm>
-            <a:off x="1141411" y="609600"/>
-            <a:ext cx="9905999" cy="1905000"/>
+            <a:off x="856059" y="609600"/>
+            <a:ext cx="7429499" cy="1905000"/>
           </a:xfrm>
         </p:spPr>
         <p:txBody>
@@ -8142,8 +8243,8 @@
         </p:nvSpPr>
         <p:spPr>
           <a:xfrm>
-            <a:off x="1141413" y="4404596"/>
-            <a:ext cx="3195240" cy="576262"/>
+            <a:off x="856060" y="4404596"/>
+            <a:ext cx="2396430" cy="576262"/>
           </a:xfrm>
         </p:spPr>
         <p:txBody>
@@ -8216,8 +8317,8 @@
         </p:nvSpPr>
         <p:spPr>
           <a:xfrm>
-            <a:off x="1141413" y="2666998"/>
-            <a:ext cx="3195240" cy="1524000"/>
+            <a:off x="856060" y="2666998"/>
+            <a:ext cx="2396430" cy="1524000"/>
           </a:xfrm>
           <a:prstGeom prst="round2DiagRect">
             <a:avLst/>
@@ -8247,7 +8348,7 @@
           <a:lstStyle>
             <a:lvl1pPr>
               <a:buNone/>
-              <a:defRPr lang="en-US" sz="2000" dirty="0"/>
+              <a:defRPr lang="en-US" sz="1800" dirty="0"/>
             </a:lvl1pPr>
           </a:lstStyle>
           <a:p>
@@ -8274,8 +8375,8 @@
         </p:nvSpPr>
         <p:spPr>
           <a:xfrm>
-            <a:off x="1141413" y="4980858"/>
-            <a:ext cx="3195240" cy="817843"/>
+            <a:off x="856060" y="4980859"/>
+            <a:ext cx="2396430" cy="817843"/>
           </a:xfrm>
         </p:spPr>
         <p:txBody>
@@ -8341,8 +8442,8 @@
         </p:nvSpPr>
         <p:spPr>
           <a:xfrm>
-            <a:off x="4489053" y="4404596"/>
-            <a:ext cx="3200400" cy="576262"/>
+            <a:off x="3366790" y="4404596"/>
+            <a:ext cx="2400300" cy="576262"/>
           </a:xfrm>
         </p:spPr>
         <p:txBody>
@@ -8415,8 +8516,8 @@
         </p:nvSpPr>
         <p:spPr>
           <a:xfrm>
-            <a:off x="4489053" y="2666998"/>
-            <a:ext cx="3198940" cy="1524000"/>
+            <a:off x="3366790" y="2666998"/>
+            <a:ext cx="2399205" cy="1524000"/>
           </a:xfrm>
           <a:prstGeom prst="round2DiagRect">
             <a:avLst/>
@@ -8446,7 +8547,7 @@
           <a:lstStyle>
             <a:lvl1pPr>
               <a:buNone/>
-              <a:defRPr lang="en-US" sz="2000" dirty="0"/>
+              <a:defRPr lang="en-US" sz="1800" dirty="0"/>
             </a:lvl1pPr>
           </a:lstStyle>
           <a:p>
@@ -8473,8 +8574,8 @@
         </p:nvSpPr>
         <p:spPr>
           <a:xfrm>
-            <a:off x="4487593" y="4980857"/>
-            <a:ext cx="3200400" cy="810342"/>
+            <a:off x="3365695" y="4980857"/>
+            <a:ext cx="2400300" cy="810342"/>
           </a:xfrm>
         </p:spPr>
         <p:txBody>
@@ -8540,8 +8641,8 @@
         </p:nvSpPr>
         <p:spPr>
           <a:xfrm>
-            <a:off x="7852567" y="4404595"/>
-            <a:ext cx="3190741" cy="576262"/>
+            <a:off x="5889426" y="4404595"/>
+            <a:ext cx="2393056" cy="576262"/>
           </a:xfrm>
         </p:spPr>
         <p:txBody>
@@ -8614,8 +8715,8 @@
         </p:nvSpPr>
         <p:spPr>
           <a:xfrm>
-            <a:off x="7852442" y="2666998"/>
-            <a:ext cx="3194969" cy="1524000"/>
+            <a:off x="5889332" y="2666998"/>
+            <a:ext cx="2396227" cy="1524000"/>
           </a:xfrm>
           <a:prstGeom prst="round2DiagRect">
             <a:avLst/>
@@ -8645,7 +8746,7 @@
           <a:lstStyle>
             <a:lvl1pPr>
               <a:buNone/>
-              <a:defRPr lang="en-US" sz="2000" dirty="0"/>
+              <a:defRPr lang="en-US" sz="1800" dirty="0"/>
             </a:lvl1pPr>
           </a:lstStyle>
           <a:p>
@@ -8672,8 +8773,8 @@
         </p:nvSpPr>
         <p:spPr>
           <a:xfrm>
-            <a:off x="7852442" y="4980854"/>
-            <a:ext cx="3194968" cy="810345"/>
+            <a:off x="5889332" y="4980855"/>
+            <a:ext cx="2396226" cy="810345"/>
           </a:xfrm>
         </p:spPr>
         <p:txBody>
@@ -8763,7 +8864,11 @@
         <p:spPr/>
         <p:txBody>
           <a:bodyPr/>
-          <a:lstStyle/>
+          <a:lstStyle>
+            <a:lvl1pPr>
+              <a:defRPr cap="all" baseline="0"/>
+            </a:lvl1pPr>
+          </a:lstStyle>
           <a:p>
             <a:endParaRPr lang="en-US"/>
           </a:p>
@@ -8795,7 +8900,7 @@
     </p:spTree>
     <p:extLst>
       <p:ext uri="{BB962C8B-B14F-4D97-AF65-F5344CB8AC3E}">
-        <p14:creationId xmlns:p14="http://schemas.microsoft.com/office/powerpoint/2010/main" val="382376932"/>
+        <p14:creationId xmlns:p14="http://schemas.microsoft.com/office/powerpoint/2010/main" val="3735400332"/>
       </p:ext>
     </p:extLst>
   </p:cSld>
@@ -8965,7 +9070,7 @@
     </p:spTree>
     <p:extLst>
       <p:ext uri="{BB962C8B-B14F-4D97-AF65-F5344CB8AC3E}">
-        <p14:creationId xmlns:p14="http://schemas.microsoft.com/office/powerpoint/2010/main" val="598493710"/>
+        <p14:creationId xmlns:p14="http://schemas.microsoft.com/office/powerpoint/2010/main" val="2399174"/>
       </p:ext>
     </p:extLst>
   </p:cSld>
@@ -9004,8 +9109,8 @@
         </p:nvSpPr>
         <p:spPr>
           <a:xfrm>
-            <a:off x="9042400" y="609599"/>
-            <a:ext cx="2005011" cy="5181601"/>
+            <a:off x="6781801" y="609600"/>
+            <a:ext cx="1503758" cy="5181601"/>
           </a:xfrm>
         </p:spPr>
         <p:txBody>
@@ -9032,8 +9137,8 @@
         </p:nvSpPr>
         <p:spPr>
           <a:xfrm>
-            <a:off x="1141410" y="609599"/>
-            <a:ext cx="7748590" cy="5181601"/>
+            <a:off x="856057" y="609600"/>
+            <a:ext cx="5811443" cy="5181601"/>
           </a:xfrm>
         </p:spPr>
         <p:txBody>
@@ -9145,7 +9250,7 @@
     </p:spTree>
     <p:extLst>
       <p:ext uri="{BB962C8B-B14F-4D97-AF65-F5344CB8AC3E}">
-        <p14:creationId xmlns:p14="http://schemas.microsoft.com/office/powerpoint/2010/main" val="786163155"/>
+        <p14:creationId xmlns:p14="http://schemas.microsoft.com/office/powerpoint/2010/main" val="3403858144"/>
       </p:ext>
     </p:extLst>
   </p:cSld>
@@ -9174,7 +9279,7 @@
       </p:grpSpPr>
       <p:sp>
         <p:nvSpPr>
-          <p:cNvPr id="2" name="Title 1"/>
+          <p:cNvPr id="47" name="Title 1"/>
           <p:cNvSpPr>
             <a:spLocks noGrp="1"/>
           </p:cNvSpPr>
@@ -9182,7 +9287,12 @@
             <p:ph type="title"/>
           </p:nvPr>
         </p:nvSpPr>
-        <p:spPr/>
+        <p:spPr>
+          <a:xfrm>
+            <a:off x="856060" y="618518"/>
+            <a:ext cx="7429499" cy="1478570"/>
+          </a:xfrm>
+        </p:spPr>
         <p:txBody>
           <a:bodyPr/>
           <a:lstStyle/>
@@ -9197,7 +9307,7 @@
       </p:sp>
       <p:sp>
         <p:nvSpPr>
-          <p:cNvPr id="3" name="Content Placeholder 2"/>
+          <p:cNvPr id="48" name="Content Placeholder 2"/>
           <p:cNvSpPr>
             <a:spLocks noGrp="1"/>
           </p:cNvSpPr>
@@ -9205,7 +9315,12 @@
             <p:ph idx="1"/>
           </p:nvPr>
         </p:nvSpPr>
-        <p:spPr/>
+        <p:spPr>
+          <a:xfrm>
+            <a:off x="856060" y="2249487"/>
+            <a:ext cx="7429499" cy="3541714"/>
+          </a:xfrm>
+        </p:spPr>
         <p:txBody>
           <a:bodyPr/>
           <a:lstStyle/>
@@ -9249,7 +9364,7 @@
       </p:sp>
       <p:sp>
         <p:nvSpPr>
-          <p:cNvPr id="4" name="Date Placeholder 3"/>
+          <p:cNvPr id="49" name="Date Placeholder 3"/>
           <p:cNvSpPr>
             <a:spLocks noGrp="1"/>
           </p:cNvSpPr>
@@ -9257,7 +9372,12 @@
             <p:ph type="dt" sz="half" idx="10"/>
           </p:nvPr>
         </p:nvSpPr>
-        <p:spPr/>
+        <p:spPr>
+          <a:xfrm>
+            <a:off x="5592691" y="5883277"/>
+            <a:ext cx="2057400" cy="365125"/>
+          </a:xfrm>
+        </p:spPr>
         <p:txBody>
           <a:bodyPr/>
           <a:lstStyle/>
@@ -9272,7 +9392,7 @@
       </p:sp>
       <p:sp>
         <p:nvSpPr>
-          <p:cNvPr id="5" name="Footer Placeholder 4"/>
+          <p:cNvPr id="50" name="Footer Placeholder 4"/>
           <p:cNvSpPr>
             <a:spLocks noGrp="1"/>
           </p:cNvSpPr>
@@ -9280,7 +9400,12 @@
             <p:ph type="ftr" sz="quarter" idx="11"/>
           </p:nvPr>
         </p:nvSpPr>
-        <p:spPr/>
+        <p:spPr>
+          <a:xfrm>
+            <a:off x="856059" y="5883276"/>
+            <a:ext cx="4679482" cy="365125"/>
+          </a:xfrm>
+        </p:spPr>
         <p:txBody>
           <a:bodyPr/>
           <a:lstStyle/>
@@ -9291,7 +9416,7 @@
       </p:sp>
       <p:sp>
         <p:nvSpPr>
-          <p:cNvPr id="6" name="Slide Number Placeholder 5"/>
+          <p:cNvPr id="51" name="Slide Number Placeholder 5"/>
           <p:cNvSpPr>
             <a:spLocks noGrp="1"/>
           </p:cNvSpPr>
@@ -9299,7 +9424,12 @@
             <p:ph type="sldNum" sz="quarter" idx="12"/>
           </p:nvPr>
         </p:nvSpPr>
-        <p:spPr/>
+        <p:spPr>
+          <a:xfrm>
+            <a:off x="7707241" y="5883275"/>
+            <a:ext cx="578317" cy="365125"/>
+          </a:xfrm>
+        </p:spPr>
         <p:txBody>
           <a:bodyPr/>
           <a:lstStyle/>
@@ -9315,7 +9445,7 @@
     </p:spTree>
     <p:extLst>
       <p:ext uri="{BB962C8B-B14F-4D97-AF65-F5344CB8AC3E}">
-        <p14:creationId xmlns:p14="http://schemas.microsoft.com/office/powerpoint/2010/main" val="338053241"/>
+        <p14:creationId xmlns:p14="http://schemas.microsoft.com/office/powerpoint/2010/main" val="1814892468"/>
       </p:ext>
     </p:extLst>
   </p:cSld>
@@ -9354,8 +9484,8 @@
         </p:nvSpPr>
         <p:spPr>
           <a:xfrm>
-            <a:off x="1141411" y="1419226"/>
-            <a:ext cx="9906000" cy="2852737"/>
+            <a:off x="856058" y="1419227"/>
+            <a:ext cx="7429500" cy="2852737"/>
           </a:xfrm>
         </p:spPr>
         <p:txBody>
@@ -9388,8 +9518,8 @@
         </p:nvSpPr>
         <p:spPr>
           <a:xfrm>
-            <a:off x="1141411" y="4424362"/>
-            <a:ext cx="9906000" cy="1374776"/>
+            <a:off x="856058" y="4424362"/>
+            <a:ext cx="7429500" cy="1374776"/>
           </a:xfrm>
         </p:spPr>
         <p:txBody>
@@ -9565,7 +9695,7 @@
     </p:spTree>
     <p:extLst>
       <p:ext uri="{BB962C8B-B14F-4D97-AF65-F5344CB8AC3E}">
-        <p14:creationId xmlns:p14="http://schemas.microsoft.com/office/powerpoint/2010/main" val="1887518379"/>
+        <p14:creationId xmlns:p14="http://schemas.microsoft.com/office/powerpoint/2010/main" val="3711583867"/>
       </p:ext>
     </p:extLst>
   </p:cSld>
@@ -9627,8 +9757,8 @@
         </p:nvSpPr>
         <p:spPr>
           <a:xfrm>
-            <a:off x="1141410" y="2249486"/>
-            <a:ext cx="4878389" cy="3541714"/>
+            <a:off x="856058" y="2249486"/>
+            <a:ext cx="3658792" cy="3541714"/>
           </a:xfrm>
         </p:spPr>
         <p:txBody>
@@ -9684,8 +9814,8 @@
         </p:nvSpPr>
         <p:spPr>
           <a:xfrm>
-            <a:off x="6172200" y="2249486"/>
-            <a:ext cx="4875211" cy="3541714"/>
+            <a:off x="4629151" y="2249486"/>
+            <a:ext cx="3656408" cy="3541714"/>
           </a:xfrm>
         </p:spPr>
         <p:txBody>
@@ -9797,7 +9927,7 @@
     </p:spTree>
     <p:extLst>
       <p:ext uri="{BB962C8B-B14F-4D97-AF65-F5344CB8AC3E}">
-        <p14:creationId xmlns:p14="http://schemas.microsoft.com/office/powerpoint/2010/main" val="496471184"/>
+        <p14:creationId xmlns:p14="http://schemas.microsoft.com/office/powerpoint/2010/main" val="2716516977"/>
       </p:ext>
     </p:extLst>
   </p:cSld>
@@ -9836,8 +9966,8 @@
         </p:nvSpPr>
         <p:spPr>
           <a:xfrm>
-            <a:off x="1141411" y="619126"/>
-            <a:ext cx="9906000" cy="1477961"/>
+            <a:off x="856058" y="619127"/>
+            <a:ext cx="7429500" cy="1477961"/>
           </a:xfrm>
         </p:spPr>
         <p:txBody>
@@ -9864,8 +9994,8 @@
         </p:nvSpPr>
         <p:spPr>
           <a:xfrm>
-            <a:off x="1370019" y="2249486"/>
-            <a:ext cx="4649783" cy="823912"/>
+            <a:off x="1078902" y="2249486"/>
+            <a:ext cx="3435949" cy="823912"/>
           </a:xfrm>
         </p:spPr>
         <p:txBody>
@@ -9936,8 +10066,8 @@
         </p:nvSpPr>
         <p:spPr>
           <a:xfrm>
-            <a:off x="1141410" y="3073397"/>
-            <a:ext cx="4878391" cy="2717801"/>
+            <a:off x="856058" y="3073398"/>
+            <a:ext cx="3658793" cy="2717801"/>
           </a:xfrm>
         </p:spPr>
         <p:txBody>
@@ -9993,8 +10123,8 @@
         </p:nvSpPr>
         <p:spPr>
           <a:xfrm>
-            <a:off x="6400808" y="2249485"/>
-            <a:ext cx="4646602" cy="823912"/>
+            <a:off x="4851992" y="2249485"/>
+            <a:ext cx="3433565" cy="823912"/>
           </a:xfrm>
         </p:spPr>
         <p:txBody>
@@ -10065,8 +10195,8 @@
         </p:nvSpPr>
         <p:spPr>
           <a:xfrm>
-            <a:off x="6172200" y="3073397"/>
-            <a:ext cx="4875210" cy="2717801"/>
+            <a:off x="4629150" y="3073398"/>
+            <a:ext cx="3656408" cy="2717801"/>
           </a:xfrm>
         </p:spPr>
         <p:txBody>
@@ -10178,7 +10308,7 @@
     </p:spTree>
     <p:extLst>
       <p:ext uri="{BB962C8B-B14F-4D97-AF65-F5344CB8AC3E}">
-        <p14:creationId xmlns:p14="http://schemas.microsoft.com/office/powerpoint/2010/main" val="2376142463"/>
+        <p14:creationId xmlns:p14="http://schemas.microsoft.com/office/powerpoint/2010/main" val="2730903873"/>
       </p:ext>
     </p:extLst>
   </p:cSld>
@@ -10296,7 +10426,7 @@
     </p:spTree>
     <p:extLst>
       <p:ext uri="{BB962C8B-B14F-4D97-AF65-F5344CB8AC3E}">
-        <p14:creationId xmlns:p14="http://schemas.microsoft.com/office/powerpoint/2010/main" val="2942608628"/>
+        <p14:creationId xmlns:p14="http://schemas.microsoft.com/office/powerpoint/2010/main" val="2579137142"/>
       </p:ext>
     </p:extLst>
   </p:cSld>
@@ -10391,7 +10521,7 @@
     </p:spTree>
     <p:extLst>
       <p:ext uri="{BB962C8B-B14F-4D97-AF65-F5344CB8AC3E}">
-        <p14:creationId xmlns:p14="http://schemas.microsoft.com/office/powerpoint/2010/main" val="2339185286"/>
+        <p14:creationId xmlns:p14="http://schemas.microsoft.com/office/powerpoint/2010/main" val="1619794727"/>
       </p:ext>
     </p:extLst>
   </p:cSld>
@@ -10430,8 +10560,8 @@
         </p:nvSpPr>
         <p:spPr>
           <a:xfrm>
-            <a:off x="1146705" y="609601"/>
-            <a:ext cx="3856037" cy="1639884"/>
+            <a:off x="860029" y="609601"/>
+            <a:ext cx="2892028" cy="1639884"/>
           </a:xfrm>
         </p:spPr>
         <p:txBody>
@@ -10462,8 +10592,8 @@
         </p:nvSpPr>
         <p:spPr>
           <a:xfrm>
-            <a:off x="5156200" y="592666"/>
-            <a:ext cx="5891209" cy="5198534"/>
+            <a:off x="3867150" y="592666"/>
+            <a:ext cx="4418407" cy="5198534"/>
           </a:xfrm>
         </p:spPr>
         <p:txBody>
@@ -10519,8 +10649,8 @@
         </p:nvSpPr>
         <p:spPr>
           <a:xfrm>
-            <a:off x="1146705" y="2249486"/>
-            <a:ext cx="3856037" cy="3541714"/>
+            <a:off x="860029" y="2249486"/>
+            <a:ext cx="2892028" cy="3541714"/>
           </a:xfrm>
         </p:spPr>
         <p:txBody>
@@ -10640,7 +10770,7 @@
     </p:spTree>
     <p:extLst>
       <p:ext uri="{BB962C8B-B14F-4D97-AF65-F5344CB8AC3E}">
-        <p14:creationId xmlns:p14="http://schemas.microsoft.com/office/powerpoint/2010/main" val="3301331927"/>
+        <p14:creationId xmlns:p14="http://schemas.microsoft.com/office/powerpoint/2010/main" val="1560219577"/>
       </p:ext>
     </p:extLst>
   </p:cSld>
@@ -10679,8 +10809,8 @@
         </p:nvSpPr>
         <p:spPr>
           <a:xfrm>
-            <a:off x="1141413" y="609600"/>
-            <a:ext cx="5934508" cy="1639886"/>
+            <a:off x="856061" y="609600"/>
+            <a:ext cx="3753962" cy="1639886"/>
           </a:xfrm>
         </p:spPr>
         <p:txBody>
@@ -10711,12 +10841,12 @@
         </p:nvSpPr>
         <p:spPr>
           <a:xfrm>
-            <a:off x="7380721" y="609601"/>
-            <a:ext cx="3666690" cy="5181599"/>
+            <a:off x="4832866" y="609600"/>
+            <a:ext cx="3452693" cy="5181602"/>
           </a:xfrm>
           <a:prstGeom prst="round2DiagRect">
             <a:avLst>
-              <a:gd name="adj1" fmla="val 5608"/>
+              <a:gd name="adj1" fmla="val 6074"/>
               <a:gd name="adj2" fmla="val 0"/>
             </a:avLst>
           </a:prstGeom>
@@ -10739,46 +10869,18 @@
           </a:effectLst>
         </p:spPr>
         <p:txBody>
-          <a:bodyPr anchor="t"/>
+          <a:bodyPr vert="horz" lIns="91440" tIns="45720" rIns="91440" bIns="45720" rtlCol="0" anchor="t">
+            <a:normAutofit/>
+          </a:bodyPr>
           <a:lstStyle>
-            <a:lvl1pPr marL="0" indent="0">
-              <a:buNone/>
-              <a:defRPr sz="3200"/>
+            <a:lvl1pPr>
+              <a:defRPr lang="en-US" sz="3200"/>
             </a:lvl1pPr>
-            <a:lvl2pPr marL="457200" indent="0">
-              <a:buNone/>
-              <a:defRPr sz="2800"/>
-            </a:lvl2pPr>
-            <a:lvl3pPr marL="914400" indent="0">
-              <a:buNone/>
-              <a:defRPr sz="2400"/>
-            </a:lvl3pPr>
-            <a:lvl4pPr marL="1371600" indent="0">
-              <a:buNone/>
-              <a:defRPr sz="2000"/>
-            </a:lvl4pPr>
-            <a:lvl5pPr marL="1828800" indent="0">
-              <a:buNone/>
-              <a:defRPr sz="2000"/>
-            </a:lvl5pPr>
-            <a:lvl6pPr marL="2286000" indent="0">
-              <a:buNone/>
-              <a:defRPr sz="2000"/>
-            </a:lvl6pPr>
-            <a:lvl7pPr marL="2743200" indent="0">
-              <a:buNone/>
-              <a:defRPr sz="2000"/>
-            </a:lvl7pPr>
-            <a:lvl8pPr marL="3200400" indent="0">
-              <a:buNone/>
-              <a:defRPr sz="2000"/>
-            </a:lvl8pPr>
-            <a:lvl9pPr marL="3657600" indent="0">
-              <a:buNone/>
-              <a:defRPr sz="2000"/>
-            </a:lvl9pPr>
           </a:lstStyle>
           <a:p>
+            <a:pPr marL="0" lvl="0" indent="0">
+              <a:buNone/>
+            </a:pPr>
             <a:r>
               <a:rPr lang="en-US" smtClean="0"/>
               <a:t>Click icon to add picture</a:t>
@@ -10799,8 +10901,8 @@
         </p:nvSpPr>
         <p:spPr>
           <a:xfrm>
-            <a:off x="1141410" y="2249486"/>
-            <a:ext cx="5934511" cy="3541714"/>
+            <a:off x="856059" y="2249486"/>
+            <a:ext cx="3753964" cy="3541714"/>
           </a:xfrm>
         </p:spPr>
         <p:txBody>
@@ -10920,7 +11022,7 @@
     </p:spTree>
     <p:extLst>
       <p:ext uri="{BB962C8B-B14F-4D97-AF65-F5344CB8AC3E}">
-        <p14:creationId xmlns:p14="http://schemas.microsoft.com/office/powerpoint/2010/main" val="2175023923"/>
+        <p14:creationId xmlns:p14="http://schemas.microsoft.com/office/powerpoint/2010/main" val="3568329461"/>
       </p:ext>
     </p:extLst>
   </p:cSld>
@@ -10983,16 +11085,16 @@
         </p:blipFill>
         <p:spPr bwMode="auto">
           <a:xfrm>
-            <a:off x="0" y="-1"/>
-            <a:ext cx="12192003" cy="6858001"/>
+            <a:off x="1" y="-1"/>
+            <a:ext cx="9144002" cy="6858001"/>
           </a:xfrm>
           <a:prstGeom prst="rect">
             <a:avLst/>
           </a:prstGeom>
           <a:noFill/>
           <a:extLst>
-            <a:ext uri="{909E8E84-426E-40DD-AFC4-6F175D3DCCD1}">
-              <a14:hiddenFill xmlns:a14="http://schemas.microsoft.com/office/drawing/2010/main">
+            <a:ext uri="{909E8E84-426E-40dd-AFC4-6F175D3DCCD1}">
+              <a14:hiddenFill xmlns="" xmlns:a14="http://schemas.microsoft.com/office/drawing/2010/main">
                 <a:solidFill>
                   <a:srgbClr val="FFFFFF"/>
                 </a:solidFill>
@@ -11010,9 +11112,9 @@
         <p:grpSpPr>
           <a:xfrm>
             <a:off x="-14288" y="0"/>
-            <a:ext cx="12053888" cy="6858001"/>
+            <a:ext cx="9041774" cy="6858001"/>
             <a:chOff x="-14288" y="0"/>
-            <a:chExt cx="12053888" cy="6858001"/>
+            <a:chExt cx="9041774" cy="6858001"/>
           </a:xfrm>
           <a:gradFill flip="none" rotWithShape="1">
             <a:gsLst>
@@ -11065,8 +11167,8 @@
                 <a:noFill/>
               </a:ln>
               <a:extLst>
-                <a:ext uri="{91240B29-F687-4F45-9708-019B960494DF}">
-                  <a14:hiddenLine xmlns:a14="http://schemas.microsoft.com/office/drawing/2010/main" w="9525">
+                <a:ext uri="{91240B29-F687-4f45-9708-019B960494DF}">
+                  <a14:hiddenLine xmlns="" xmlns:a14="http://schemas.microsoft.com/office/drawing/2010/main" w="9525">
                     <a:solidFill>
                       <a:srgbClr val="000000"/>
                     </a:solidFill>
@@ -11155,8 +11257,8 @@
                 <a:noFill/>
               </a:ln>
               <a:extLst>
-                <a:ext uri="{91240B29-F687-4F45-9708-019B960494DF}">
-                  <a14:hiddenLine xmlns:a14="http://schemas.microsoft.com/office/drawing/2010/main" w="9525">
+                <a:ext uri="{91240B29-F687-4f45-9708-019B960494DF}">
+                  <a14:hiddenLine xmlns="" xmlns:a14="http://schemas.microsoft.com/office/drawing/2010/main" w="9525">
                     <a:solidFill>
                       <a:srgbClr val="000000"/>
                     </a:solidFill>
@@ -11245,8 +11347,8 @@
                 <a:noFill/>
               </a:ln>
               <a:extLst>
-                <a:ext uri="{91240B29-F687-4F45-9708-019B960494DF}">
-                  <a14:hiddenLine xmlns:a14="http://schemas.microsoft.com/office/drawing/2010/main" w="9525">
+                <a:ext uri="{91240B29-F687-4f45-9708-019B960494DF}">
+                  <a14:hiddenLine xmlns="" xmlns:a14="http://schemas.microsoft.com/office/drawing/2010/main" w="9525">
                     <a:solidFill>
                       <a:srgbClr val="000000"/>
                     </a:solidFill>
@@ -11307,8 +11409,8 @@
                 <a:noFill/>
               </a:ln>
               <a:extLst>
-                <a:ext uri="{91240B29-F687-4F45-9708-019B960494DF}">
-                  <a14:hiddenLine xmlns:a14="http://schemas.microsoft.com/office/drawing/2010/main" w="9525">
+                <a:ext uri="{91240B29-F687-4f45-9708-019B960494DF}">
+                  <a14:hiddenLine xmlns="" xmlns:a14="http://schemas.microsoft.com/office/drawing/2010/main" w="9525">
                     <a:solidFill>
                       <a:srgbClr val="000000"/>
                     </a:solidFill>
@@ -11397,8 +11499,8 @@
                 <a:noFill/>
               </a:ln>
               <a:extLst>
-                <a:ext uri="{91240B29-F687-4F45-9708-019B960494DF}">
-                  <a14:hiddenLine xmlns:a14="http://schemas.microsoft.com/office/drawing/2010/main" w="9525">
+                <a:ext uri="{91240B29-F687-4f45-9708-019B960494DF}">
+                  <a14:hiddenLine xmlns="" xmlns:a14="http://schemas.microsoft.com/office/drawing/2010/main" w="9525">
                     <a:solidFill>
                       <a:srgbClr val="000000"/>
                     </a:solidFill>
@@ -11459,8 +11561,8 @@
                 <a:noFill/>
               </a:ln>
               <a:extLst>
-                <a:ext uri="{91240B29-F687-4F45-9708-019B960494DF}">
-                  <a14:hiddenLine xmlns:a14="http://schemas.microsoft.com/office/drawing/2010/main" w="9525">
+                <a:ext uri="{91240B29-F687-4f45-9708-019B960494DF}">
+                  <a14:hiddenLine xmlns="" xmlns:a14="http://schemas.microsoft.com/office/drawing/2010/main" w="9525">
                     <a:solidFill>
                       <a:srgbClr val="000000"/>
                     </a:solidFill>
@@ -11521,8 +11623,8 @@
                 <a:noFill/>
               </a:ln>
               <a:extLst>
-                <a:ext uri="{91240B29-F687-4F45-9708-019B960494DF}">
-                  <a14:hiddenLine xmlns:a14="http://schemas.microsoft.com/office/drawing/2010/main" w="9525">
+                <a:ext uri="{91240B29-F687-4f45-9708-019B960494DF}">
+                  <a14:hiddenLine xmlns="" xmlns:a14="http://schemas.microsoft.com/office/drawing/2010/main" w="9525">
                     <a:solidFill>
                       <a:srgbClr val="000000"/>
                     </a:solidFill>
@@ -11611,8 +11713,8 @@
                 <a:noFill/>
               </a:ln>
               <a:extLst>
-                <a:ext uri="{91240B29-F687-4F45-9708-019B960494DF}">
-                  <a14:hiddenLine xmlns:a14="http://schemas.microsoft.com/office/drawing/2010/main" w="9525">
+                <a:ext uri="{91240B29-F687-4f45-9708-019B960494DF}">
+                  <a14:hiddenLine xmlns="" xmlns:a14="http://schemas.microsoft.com/office/drawing/2010/main" w="9525">
                     <a:solidFill>
                       <a:srgbClr val="000000"/>
                     </a:solidFill>
@@ -11701,8 +11803,8 @@
                 <a:noFill/>
               </a:ln>
               <a:extLst>
-                <a:ext uri="{91240B29-F687-4F45-9708-019B960494DF}">
-                  <a14:hiddenLine xmlns:a14="http://schemas.microsoft.com/office/drawing/2010/main" w="9525">
+                <a:ext uri="{91240B29-F687-4f45-9708-019B960494DF}">
+                  <a14:hiddenLine xmlns="" xmlns:a14="http://schemas.microsoft.com/office/drawing/2010/main" w="9525">
                     <a:solidFill>
                       <a:srgbClr val="000000"/>
                     </a:solidFill>
@@ -11763,8 +11865,8 @@
                 <a:noFill/>
               </a:ln>
               <a:extLst>
-                <a:ext uri="{91240B29-F687-4F45-9708-019B960494DF}">
-                  <a14:hiddenLine xmlns:a14="http://schemas.microsoft.com/office/drawing/2010/main" w="9525">
+                <a:ext uri="{91240B29-F687-4f45-9708-019B960494DF}">
+                  <a14:hiddenLine xmlns="" xmlns:a14="http://schemas.microsoft.com/office/drawing/2010/main" w="9525">
                     <a:solidFill>
                       <a:srgbClr val="000000"/>
                     </a:solidFill>
@@ -11873,8 +11975,8 @@
                 <a:noFill/>
               </a:ln>
               <a:extLst>
-                <a:ext uri="{91240B29-F687-4F45-9708-019B960494DF}">
-                  <a14:hiddenLine xmlns:a14="http://schemas.microsoft.com/office/drawing/2010/main" w="9525">
+                <a:ext uri="{91240B29-F687-4f45-9708-019B960494DF}">
+                  <a14:hiddenLine xmlns="" xmlns:a14="http://schemas.microsoft.com/office/drawing/2010/main" w="9525">
                     <a:solidFill>
                       <a:srgbClr val="000000"/>
                     </a:solidFill>
@@ -11957,8 +12059,8 @@
                 <a:noFill/>
               </a:ln>
               <a:extLst>
-                <a:ext uri="{91240B29-F687-4F45-9708-019B960494DF}">
-                  <a14:hiddenLine xmlns:a14="http://schemas.microsoft.com/office/drawing/2010/main" w="9525">
+                <a:ext uri="{91240B29-F687-4f45-9708-019B960494DF}">
+                  <a14:hiddenLine xmlns="" xmlns:a14="http://schemas.microsoft.com/office/drawing/2010/main" w="9525">
                     <a:solidFill>
                       <a:srgbClr val="000000"/>
                     </a:solidFill>
@@ -12019,8 +12121,8 @@
                 <a:noFill/>
               </a:ln>
               <a:extLst>
-                <a:ext uri="{91240B29-F687-4F45-9708-019B960494DF}">
-                  <a14:hiddenLine xmlns:a14="http://schemas.microsoft.com/office/drawing/2010/main" w="9525">
+                <a:ext uri="{91240B29-F687-4f45-9708-019B960494DF}">
+                  <a14:hiddenLine xmlns="" xmlns:a14="http://schemas.microsoft.com/office/drawing/2010/main" w="9525">
                     <a:solidFill>
                       <a:srgbClr val="000000"/>
                     </a:solidFill>
@@ -12081,8 +12183,8 @@
                 <a:noFill/>
               </a:ln>
               <a:extLst>
-                <a:ext uri="{91240B29-F687-4F45-9708-019B960494DF}">
-                  <a14:hiddenLine xmlns:a14="http://schemas.microsoft.com/office/drawing/2010/main" w="9525">
+                <a:ext uri="{91240B29-F687-4f45-9708-019B960494DF}">
+                  <a14:hiddenLine xmlns="" xmlns:a14="http://schemas.microsoft.com/office/drawing/2010/main" w="9525">
                     <a:solidFill>
                       <a:srgbClr val="000000"/>
                     </a:solidFill>
@@ -12171,8 +12273,8 @@
                 <a:noFill/>
               </a:ln>
               <a:extLst>
-                <a:ext uri="{91240B29-F687-4F45-9708-019B960494DF}">
-                  <a14:hiddenLine xmlns:a14="http://schemas.microsoft.com/office/drawing/2010/main" w="9525">
+                <a:ext uri="{91240B29-F687-4f45-9708-019B960494DF}">
+                  <a14:hiddenLine xmlns="" xmlns:a14="http://schemas.microsoft.com/office/drawing/2010/main" w="9525">
                     <a:solidFill>
                       <a:srgbClr val="000000"/>
                     </a:solidFill>
@@ -12205,8 +12307,8 @@
                 <a:noFill/>
               </a:ln>
               <a:extLst>
-                <a:ext uri="{91240B29-F687-4F45-9708-019B960494DF}">
-                  <a14:hiddenLine xmlns:a14="http://schemas.microsoft.com/office/drawing/2010/main" w="9525">
+                <a:ext uri="{91240B29-F687-4f45-9708-019B960494DF}">
+                  <a14:hiddenLine xmlns="" xmlns:a14="http://schemas.microsoft.com/office/drawing/2010/main" w="9525">
                     <a:solidFill>
                       <a:srgbClr val="000000"/>
                     </a:solidFill>
@@ -12270,8 +12372,8 @@
                 <a:noFill/>
               </a:ln>
               <a:extLst>
-                <a:ext uri="{91240B29-F687-4F45-9708-019B960494DF}">
-                  <a14:hiddenLine xmlns:a14="http://schemas.microsoft.com/office/drawing/2010/main" w="9525">
+                <a:ext uri="{91240B29-F687-4f45-9708-019B960494DF}">
+                  <a14:hiddenLine xmlns="" xmlns:a14="http://schemas.microsoft.com/office/drawing/2010/main" w="9525">
                     <a:solidFill>
                       <a:srgbClr val="000000"/>
                     </a:solidFill>
@@ -12360,8 +12462,8 @@
                 <a:noFill/>
               </a:ln>
               <a:extLst>
-                <a:ext uri="{91240B29-F687-4F45-9708-019B960494DF}">
-                  <a14:hiddenLine xmlns:a14="http://schemas.microsoft.com/office/drawing/2010/main" w="9525">
+                <a:ext uri="{91240B29-F687-4f45-9708-019B960494DF}">
+                  <a14:hiddenLine xmlns="" xmlns:a14="http://schemas.microsoft.com/office/drawing/2010/main" w="9525">
                     <a:solidFill>
                       <a:srgbClr val="000000"/>
                     </a:solidFill>
@@ -12422,8 +12524,8 @@
                 <a:noFill/>
               </a:ln>
               <a:extLst>
-                <a:ext uri="{91240B29-F687-4F45-9708-019B960494DF}">
-                  <a14:hiddenLine xmlns:a14="http://schemas.microsoft.com/office/drawing/2010/main" w="9525">
+                <a:ext uri="{91240B29-F687-4f45-9708-019B960494DF}">
+                  <a14:hiddenLine xmlns="" xmlns:a14="http://schemas.microsoft.com/office/drawing/2010/main" w="9525">
                     <a:solidFill>
                       <a:srgbClr val="000000"/>
                     </a:solidFill>
@@ -12512,8 +12614,8 @@
                 <a:noFill/>
               </a:ln>
               <a:extLst>
-                <a:ext uri="{91240B29-F687-4F45-9708-019B960494DF}">
-                  <a14:hiddenLine xmlns:a14="http://schemas.microsoft.com/office/drawing/2010/main" w="9525">
+                <a:ext uri="{91240B29-F687-4f45-9708-019B960494DF}">
+                  <a14:hiddenLine xmlns="" xmlns:a14="http://schemas.microsoft.com/office/drawing/2010/main" w="9525">
                     <a:solidFill>
                       <a:srgbClr val="000000"/>
                     </a:solidFill>
@@ -12577,8 +12679,8 @@
                 <a:noFill/>
               </a:ln>
               <a:extLst>
-                <a:ext uri="{91240B29-F687-4F45-9708-019B960494DF}">
-                  <a14:hiddenLine xmlns:a14="http://schemas.microsoft.com/office/drawing/2010/main" w="9525">
+                <a:ext uri="{91240B29-F687-4f45-9708-019B960494DF}">
+                  <a14:hiddenLine xmlns="" xmlns:a14="http://schemas.microsoft.com/office/drawing/2010/main" w="9525">
                     <a:solidFill>
                       <a:srgbClr val="000000"/>
                     </a:solidFill>
@@ -12639,8 +12741,8 @@
                 <a:noFill/>
               </a:ln>
               <a:extLst>
-                <a:ext uri="{91240B29-F687-4F45-9708-019B960494DF}">
-                  <a14:hiddenLine xmlns:a14="http://schemas.microsoft.com/office/drawing/2010/main" w="9525">
+                <a:ext uri="{91240B29-F687-4f45-9708-019B960494DF}">
+                  <a14:hiddenLine xmlns="" xmlns:a14="http://schemas.microsoft.com/office/drawing/2010/main" w="9525">
                     <a:solidFill>
                       <a:srgbClr val="000000"/>
                     </a:solidFill>
@@ -12729,8 +12831,8 @@
                 <a:noFill/>
               </a:ln>
               <a:extLst>
-                <a:ext uri="{91240B29-F687-4F45-9708-019B960494DF}">
-                  <a14:hiddenLine xmlns:a14="http://schemas.microsoft.com/office/drawing/2010/main" w="9525">
+                <a:ext uri="{91240B29-F687-4f45-9708-019B960494DF}">
+                  <a14:hiddenLine xmlns="" xmlns:a14="http://schemas.microsoft.com/office/drawing/2010/main" w="9525">
                     <a:solidFill>
                       <a:srgbClr val="000000"/>
                     </a:solidFill>
@@ -12819,8 +12921,8 @@
                 <a:noFill/>
               </a:ln>
               <a:extLst>
-                <a:ext uri="{91240B29-F687-4F45-9708-019B960494DF}">
-                  <a14:hiddenLine xmlns:a14="http://schemas.microsoft.com/office/drawing/2010/main" w="9525">
+                <a:ext uri="{91240B29-F687-4f45-9708-019B960494DF}">
+                  <a14:hiddenLine xmlns="" xmlns:a14="http://schemas.microsoft.com/office/drawing/2010/main" w="9525">
                     <a:solidFill>
                       <a:srgbClr val="000000"/>
                     </a:solidFill>
@@ -12884,8 +12986,8 @@
                 <a:noFill/>
               </a:ln>
               <a:extLst>
-                <a:ext uri="{91240B29-F687-4F45-9708-019B960494DF}">
-                  <a14:hiddenLine xmlns:a14="http://schemas.microsoft.com/office/drawing/2010/main" w="9525">
+                <a:ext uri="{91240B29-F687-4f45-9708-019B960494DF}">
+                  <a14:hiddenLine xmlns="" xmlns:a14="http://schemas.microsoft.com/office/drawing/2010/main" w="9525">
                     <a:solidFill>
                       <a:srgbClr val="000000"/>
                     </a:solidFill>
@@ -13004,8 +13106,8 @@
                 <a:noFill/>
               </a:ln>
               <a:extLst>
-                <a:ext uri="{91240B29-F687-4F45-9708-019B960494DF}">
-                  <a14:hiddenLine xmlns:a14="http://schemas.microsoft.com/office/drawing/2010/main" w="9525">
+                <a:ext uri="{91240B29-F687-4f45-9708-019B960494DF}">
+                  <a14:hiddenLine xmlns="" xmlns:a14="http://schemas.microsoft.com/office/drawing/2010/main" w="9525">
                     <a:solidFill>
                       <a:srgbClr val="000000"/>
                     </a:solidFill>
@@ -13026,7 +13128,7 @@
           </p:nvGrpSpPr>
           <p:grpSpPr>
             <a:xfrm>
-              <a:off x="11364912" y="0"/>
+              <a:off x="8352798" y="0"/>
               <a:ext cx="674688" cy="6848476"/>
               <a:chOff x="11364912" y="0"/>
               <a:chExt cx="674688" cy="6848476"/>
@@ -13085,8 +13187,8 @@
                 <a:noFill/>
               </a:ln>
               <a:extLst>
-                <a:ext uri="{91240B29-F687-4F45-9708-019B960494DF}">
-                  <a14:hiddenLine xmlns:a14="http://schemas.microsoft.com/office/drawing/2010/main" w="9525">
+                <a:ext uri="{91240B29-F687-4f45-9708-019B960494DF}">
+                  <a14:hiddenLine xmlns="" xmlns:a14="http://schemas.microsoft.com/office/drawing/2010/main" w="9525">
                     <a:solidFill>
                       <a:srgbClr val="000000"/>
                     </a:solidFill>
@@ -13200,8 +13302,8 @@
                 <a:noFill/>
               </a:ln>
               <a:extLst>
-                <a:ext uri="{91240B29-F687-4F45-9708-019B960494DF}">
-                  <a14:hiddenLine xmlns:a14="http://schemas.microsoft.com/office/drawing/2010/main" w="9525">
+                <a:ext uri="{91240B29-F687-4f45-9708-019B960494DF}">
+                  <a14:hiddenLine xmlns="" xmlns:a14="http://schemas.microsoft.com/office/drawing/2010/main" w="9525">
                     <a:solidFill>
                       <a:srgbClr val="000000"/>
                     </a:solidFill>
@@ -13290,8 +13392,8 @@
                 <a:noFill/>
               </a:ln>
               <a:extLst>
-                <a:ext uri="{91240B29-F687-4F45-9708-019B960494DF}">
-                  <a14:hiddenLine xmlns:a14="http://schemas.microsoft.com/office/drawing/2010/main" w="9525">
+                <a:ext uri="{91240B29-F687-4f45-9708-019B960494DF}">
+                  <a14:hiddenLine xmlns="" xmlns:a14="http://schemas.microsoft.com/office/drawing/2010/main" w="9525">
                     <a:solidFill>
                       <a:srgbClr val="000000"/>
                     </a:solidFill>
@@ -13355,8 +13457,8 @@
                 <a:noFill/>
               </a:ln>
               <a:extLst>
-                <a:ext uri="{91240B29-F687-4F45-9708-019B960494DF}">
-                  <a14:hiddenLine xmlns:a14="http://schemas.microsoft.com/office/drawing/2010/main" w="9525">
+                <a:ext uri="{91240B29-F687-4f45-9708-019B960494DF}">
+                  <a14:hiddenLine xmlns="" xmlns:a14="http://schemas.microsoft.com/office/drawing/2010/main" w="9525">
                     <a:solidFill>
                       <a:srgbClr val="000000"/>
                     </a:solidFill>
@@ -13445,8 +13547,8 @@
                 <a:noFill/>
               </a:ln>
               <a:extLst>
-                <a:ext uri="{91240B29-F687-4F45-9708-019B960494DF}">
-                  <a14:hiddenLine xmlns:a14="http://schemas.microsoft.com/office/drawing/2010/main" w="9525">
+                <a:ext uri="{91240B29-F687-4f45-9708-019B960494DF}">
+                  <a14:hiddenLine xmlns="" xmlns:a14="http://schemas.microsoft.com/office/drawing/2010/main" w="9525">
                     <a:solidFill>
                       <a:srgbClr val="000000"/>
                     </a:solidFill>
@@ -13513,8 +13615,8 @@
                 <a:noFill/>
               </a:ln>
               <a:extLst>
-                <a:ext uri="{91240B29-F687-4F45-9708-019B960494DF}">
-                  <a14:hiddenLine xmlns:a14="http://schemas.microsoft.com/office/drawing/2010/main" w="9525">
+                <a:ext uri="{91240B29-F687-4f45-9708-019B960494DF}">
+                  <a14:hiddenLine xmlns="" xmlns:a14="http://schemas.microsoft.com/office/drawing/2010/main" w="9525">
                     <a:solidFill>
                       <a:srgbClr val="000000"/>
                     </a:solidFill>
@@ -13603,8 +13705,8 @@
                 <a:noFill/>
               </a:ln>
               <a:extLst>
-                <a:ext uri="{91240B29-F687-4F45-9708-019B960494DF}">
-                  <a14:hiddenLine xmlns:a14="http://schemas.microsoft.com/office/drawing/2010/main" w="9525">
+                <a:ext uri="{91240B29-F687-4f45-9708-019B960494DF}">
+                  <a14:hiddenLine xmlns="" xmlns:a14="http://schemas.microsoft.com/office/drawing/2010/main" w="9525">
                     <a:solidFill>
                       <a:srgbClr val="000000"/>
                     </a:solidFill>
@@ -13671,8 +13773,8 @@
                 <a:noFill/>
               </a:ln>
               <a:extLst>
-                <a:ext uri="{91240B29-F687-4F45-9708-019B960494DF}">
-                  <a14:hiddenLine xmlns:a14="http://schemas.microsoft.com/office/drawing/2010/main" w="9525">
+                <a:ext uri="{91240B29-F687-4f45-9708-019B960494DF}">
+                  <a14:hiddenLine xmlns="" xmlns:a14="http://schemas.microsoft.com/office/drawing/2010/main" w="9525">
                     <a:solidFill>
                       <a:srgbClr val="000000"/>
                     </a:solidFill>
@@ -13761,8 +13863,8 @@
                 <a:noFill/>
               </a:ln>
               <a:extLst>
-                <a:ext uri="{91240B29-F687-4F45-9708-019B960494DF}">
-                  <a14:hiddenLine xmlns:a14="http://schemas.microsoft.com/office/drawing/2010/main" w="9525">
+                <a:ext uri="{91240B29-F687-4f45-9708-019B960494DF}">
+                  <a14:hiddenLine xmlns="" xmlns:a14="http://schemas.microsoft.com/office/drawing/2010/main" w="9525">
                     <a:solidFill>
                       <a:srgbClr val="000000"/>
                     </a:solidFill>
@@ -13795,8 +13897,8 @@
                 <a:noFill/>
               </a:ln>
               <a:extLst>
-                <a:ext uri="{91240B29-F687-4F45-9708-019B960494DF}">
-                  <a14:hiddenLine xmlns:a14="http://schemas.microsoft.com/office/drawing/2010/main" w="9525">
+                <a:ext uri="{91240B29-F687-4f45-9708-019B960494DF}">
+                  <a14:hiddenLine xmlns="" xmlns:a14="http://schemas.microsoft.com/office/drawing/2010/main" w="9525">
                     <a:solidFill>
                       <a:srgbClr val="000000"/>
                     </a:solidFill>
@@ -13822,8 +13924,8 @@
         </p:nvSpPr>
         <p:spPr>
           <a:xfrm>
-            <a:off x="1141413" y="618518"/>
-            <a:ext cx="9905998" cy="1478570"/>
+            <a:off x="856060" y="618518"/>
+            <a:ext cx="7429499" cy="1478570"/>
           </a:xfrm>
           <a:prstGeom prst="rect">
             <a:avLst/>
@@ -13851,8 +13953,8 @@
         </p:nvSpPr>
         <p:spPr>
           <a:xfrm>
-            <a:off x="1141412" y="2249487"/>
-            <a:ext cx="9905999" cy="3541714"/>
+            <a:off x="856060" y="2249487"/>
+            <a:ext cx="7429499" cy="3541714"/>
           </a:xfrm>
           <a:prstGeom prst="rect">
             <a:avLst/>
@@ -13913,8 +14015,8 @@
         </p:nvSpPr>
         <p:spPr>
           <a:xfrm>
-            <a:off x="7456921" y="5883276"/>
-            <a:ext cx="2743200" cy="365125"/>
+            <a:off x="5592691" y="5883277"/>
+            <a:ext cx="2057400" cy="365125"/>
           </a:xfrm>
           <a:prstGeom prst="rect">
             <a:avLst/>
@@ -13954,8 +14056,8 @@
         </p:nvSpPr>
         <p:spPr>
           <a:xfrm>
-            <a:off x="1141411" y="5883275"/>
-            <a:ext cx="6239309" cy="365125"/>
+            <a:off x="856059" y="5883276"/>
+            <a:ext cx="4679482" cy="365125"/>
           </a:xfrm>
           <a:prstGeom prst="rect">
             <a:avLst/>
@@ -13965,7 +14067,7 @@
           <a:bodyPr vert="horz" lIns="91440" tIns="45720" rIns="91440" bIns="45720" rtlCol="0" anchor="ctr"/>
           <a:lstStyle>
             <a:lvl1pPr algn="l">
-              <a:defRPr sz="1050" cap="all" baseline="0">
+              <a:defRPr sz="1050">
                 <a:solidFill>
                   <a:schemeClr val="tx1">
                     <a:tint val="75000"/>
@@ -13991,8 +14093,8 @@
         </p:nvSpPr>
         <p:spPr>
           <a:xfrm>
-            <a:off x="10276321" y="5883274"/>
-            <a:ext cx="771089" cy="365125"/>
+            <a:off x="7707241" y="5883275"/>
+            <a:ext cx="578317" cy="365125"/>
           </a:xfrm>
           <a:prstGeom prst="rect">
             <a:avLst/>
@@ -14023,29 +14125,29 @@
     </p:spTree>
     <p:extLst>
       <p:ext uri="{BB962C8B-B14F-4D97-AF65-F5344CB8AC3E}">
-        <p14:creationId xmlns:p14="http://schemas.microsoft.com/office/powerpoint/2010/main" val="986253919"/>
+        <p14:creationId xmlns:p14="http://schemas.microsoft.com/office/powerpoint/2010/main" val="3452801586"/>
       </p:ext>
     </p:extLst>
   </p:cSld>
   <p:clrMap bg1="dk1" tx1="lt1" bg2="dk2" tx2="lt2" accent1="accent1" accent2="accent2" accent3="accent3" accent4="accent4" accent5="accent5" accent6="accent6" hlink="hlink" folHlink="folHlink"/>
   <p:sldLayoutIdLst>
-    <p:sldLayoutId id="2147483679" r:id="rId1"/>
-    <p:sldLayoutId id="2147483680" r:id="rId2"/>
-    <p:sldLayoutId id="2147483681" r:id="rId3"/>
-    <p:sldLayoutId id="2147483682" r:id="rId4"/>
-    <p:sldLayoutId id="2147483683" r:id="rId5"/>
-    <p:sldLayoutId id="2147483684" r:id="rId6"/>
-    <p:sldLayoutId id="2147483685" r:id="rId7"/>
-    <p:sldLayoutId id="2147483686" r:id="rId8"/>
-    <p:sldLayoutId id="2147483687" r:id="rId9"/>
-    <p:sldLayoutId id="2147483688" r:id="rId10"/>
-    <p:sldLayoutId id="2147483689" r:id="rId11"/>
-    <p:sldLayoutId id="2147483690" r:id="rId12"/>
-    <p:sldLayoutId id="2147483691" r:id="rId13"/>
-    <p:sldLayoutId id="2147483692" r:id="rId14"/>
-    <p:sldLayoutId id="2147483693" r:id="rId15"/>
-    <p:sldLayoutId id="2147483694" r:id="rId16"/>
-    <p:sldLayoutId id="2147483695" r:id="rId17"/>
+    <p:sldLayoutId id="2147483697" r:id="rId1"/>
+    <p:sldLayoutId id="2147483698" r:id="rId2"/>
+    <p:sldLayoutId id="2147483699" r:id="rId3"/>
+    <p:sldLayoutId id="2147483700" r:id="rId4"/>
+    <p:sldLayoutId id="2147483701" r:id="rId5"/>
+    <p:sldLayoutId id="2147483702" r:id="rId6"/>
+    <p:sldLayoutId id="2147483703" r:id="rId7"/>
+    <p:sldLayoutId id="2147483704" r:id="rId8"/>
+    <p:sldLayoutId id="2147483705" r:id="rId9"/>
+    <p:sldLayoutId id="2147483706" r:id="rId10"/>
+    <p:sldLayoutId id="2147483707" r:id="rId11"/>
+    <p:sldLayoutId id="2147483708" r:id="rId12"/>
+    <p:sldLayoutId id="2147483709" r:id="rId13"/>
+    <p:sldLayoutId id="2147483710" r:id="rId14"/>
+    <p:sldLayoutId id="2147483711" r:id="rId15"/>
+    <p:sldLayoutId id="2147483712" r:id="rId16"/>
+    <p:sldLayoutId id="2147483713" r:id="rId17"/>
   </p:sldLayoutIdLst>
   <p:txStyles>
     <p:titleStyle>
@@ -14399,21 +14501,21 @@
           <a:p>
             <a:pPr algn="ctr"/>
             <a:r>
-              <a:rPr lang="en-US" sz="2400" dirty="0" smtClean="0"/>
+              <a:rPr lang="en-US" sz="1800" dirty="0"/>
               <a:t>Jake Neal</a:t>
             </a:r>
           </a:p>
           <a:p>
             <a:pPr algn="ctr"/>
             <a:r>
-              <a:rPr lang="en-US" sz="2400" dirty="0"/>
+              <a:rPr lang="en-US" sz="1800" dirty="0"/>
               <a:t>Cameron </a:t>
             </a:r>
             <a:r>
-              <a:rPr lang="en-US" sz="2400" dirty="0" err="1" smtClean="0"/>
+              <a:rPr lang="en-US" sz="1800" dirty="0" err="1"/>
               <a:t>Shea</a:t>
             </a:r>
-            <a:endParaRPr lang="en-US" sz="2400" dirty="0"/>
+            <a:endParaRPr lang="en-US" sz="1800" dirty="0"/>
           </a:p>
         </p:txBody>
       </p:sp>
@@ -14427,6 +14529,13 @@
   <p:clrMapOvr>
     <a:masterClrMapping/>
   </p:clrMapOvr>
+  <p:timing>
+    <p:tnLst>
+      <p:par>
+        <p:cTn id="1" dur="indefinite" restart="never" nodeType="tmRoot"/>
+      </p:par>
+    </p:tnLst>
+  </p:timing>
 </p:sld>
 </file>
 
@@ -14664,8 +14773,8 @@
         </p:blipFill>
         <p:spPr>
           <a:xfrm>
-            <a:off x="6441793" y="2249488"/>
-            <a:ext cx="4336027" cy="3541712"/>
+            <a:off x="4831345" y="2544366"/>
+            <a:ext cx="3252020" cy="2656284"/>
           </a:xfrm>
           <a:prstGeom prst="rect">
             <a:avLst/>
@@ -14816,8 +14925,8 @@
         </p:blipFill>
         <p:spPr>
           <a:xfrm>
-            <a:off x="6461373" y="2324636"/>
-            <a:ext cx="4329794" cy="2640170"/>
+            <a:off x="4846030" y="2600727"/>
+            <a:ext cx="3247346" cy="1980128"/>
           </a:xfrm>
           <a:prstGeom prst="rect">
             <a:avLst/>
@@ -14916,8 +15025,8 @@
         </p:blipFill>
         <p:spPr>
           <a:xfrm>
-            <a:off x="3367555" y="2440545"/>
-            <a:ext cx="5456891" cy="3193961"/>
+            <a:off x="2525667" y="2687659"/>
+            <a:ext cx="4092668" cy="2395471"/>
           </a:xfrm>
           <a:prstGeom prst="rect">
             <a:avLst/>
@@ -14942,8 +15051,8 @@
         </p:nvSpPr>
         <p:spPr>
           <a:xfrm>
-            <a:off x="3335628" y="5724659"/>
-            <a:ext cx="5499279" cy="646331"/>
+            <a:off x="2501722" y="5150744"/>
+            <a:ext cx="4124459" cy="507831"/>
           </a:xfrm>
           <a:prstGeom prst="rect">
             <a:avLst/>
@@ -14958,10 +15067,10 @@
           <a:p>
             <a:pPr algn="ctr"/>
             <a:r>
-              <a:rPr lang="en-US" dirty="0" smtClean="0"/>
+              <a:rPr lang="en-US" sz="1350" dirty="0"/>
               <a:t>Comparison of Open Loop (from 30-40%) and Controlled (from 40-50%)</a:t>
             </a:r>
-            <a:endParaRPr lang="en-US" dirty="0"/>
+            <a:endParaRPr lang="en-US" sz="1350" dirty="0"/>
           </a:p>
         </p:txBody>
       </p:sp>
@@ -15104,7 +15213,7 @@
           <p:nvPr/>
         </p:nvPicPr>
         <p:blipFill>
-          <a:blip r:embed="rId3">
+          <a:blip r:embed="rId3" cstate="print">
             <a:extLst>
               <a:ext uri="{BEBA8EAE-BF5A-486C-A8C5-ECC9F3942E4B}">
                 <a14:imgProps xmlns:a14="http://schemas.microsoft.com/office/drawing/2010/main">
@@ -15133,8 +15242,8 @@
         </p:blipFill>
         <p:spPr>
           <a:xfrm>
-            <a:off x="6053068" y="3598840"/>
-            <a:ext cx="6774287" cy="3810536"/>
+            <a:off x="4082601" y="4426821"/>
+            <a:ext cx="5080715" cy="2857902"/>
           </a:xfrm>
           <a:prstGeom prst="rect">
             <a:avLst/>
@@ -15159,8 +15268,8 @@
         </p:nvSpPr>
         <p:spPr>
           <a:xfrm>
-            <a:off x="824248" y="6611779"/>
-            <a:ext cx="3631842" cy="246221"/>
+            <a:off x="618186" y="5816085"/>
+            <a:ext cx="2723882" cy="207749"/>
           </a:xfrm>
           <a:prstGeom prst="rect">
             <a:avLst/>
@@ -15174,14 +15283,14 @@
           <a:lstStyle/>
           <a:p>
             <a:r>
-              <a:rPr lang="en-US" sz="1000" dirty="0"/>
+              <a:rPr lang="en-US" sz="750" dirty="0"/>
               <a:t>http://</a:t>
             </a:r>
             <a:r>
-              <a:rPr lang="en-US" sz="1000" dirty="0" smtClean="0"/>
+              <a:rPr lang="en-US" sz="750" dirty="0"/>
               <a:t>moviemezzanine.com</a:t>
             </a:r>
-            <a:endParaRPr lang="en-US" sz="1000" dirty="0"/>
+            <a:endParaRPr lang="en-US" sz="750" dirty="0"/>
           </a:p>
         </p:txBody>
       </p:sp>
@@ -15256,7 +15365,7 @@
           </p:nvPr>
         </p:nvPicPr>
         <p:blipFill>
-          <a:blip r:embed="rId3">
+          <a:blip r:embed="rId3" cstate="print">
             <a:extLst>
               <a:ext uri="{BEBA8EAE-BF5A-486C-A8C5-ECC9F3942E4B}">
                 <a14:imgProps xmlns:a14="http://schemas.microsoft.com/office/drawing/2010/main">
@@ -15281,8 +15390,8 @@
         </p:blipFill>
         <p:spPr>
           <a:xfrm>
-            <a:off x="2960155" y="2249488"/>
-            <a:ext cx="6268516" cy="3541712"/>
+            <a:off x="2220116" y="2544366"/>
+            <a:ext cx="4701387" cy="2656284"/>
           </a:xfrm>
           <a:prstGeom prst="rect">
             <a:avLst/>
@@ -15303,8 +15412,8 @@
         </p:nvSpPr>
         <p:spPr>
           <a:xfrm>
-            <a:off x="4468969" y="6548907"/>
-            <a:ext cx="3181082" cy="246221"/>
+            <a:off x="3351727" y="5768931"/>
+            <a:ext cx="2385812" cy="207749"/>
           </a:xfrm>
           <a:prstGeom prst="rect">
             <a:avLst/>
@@ -15319,14 +15428,14 @@
           <a:p>
             <a:pPr algn="ctr"/>
             <a:r>
-              <a:rPr lang="en-US" sz="1000" dirty="0"/>
+              <a:rPr lang="en-US" sz="750" dirty="0"/>
               <a:t>http://abnormaluse.com</a:t>
             </a:r>
             <a:r>
-              <a:rPr lang="en-US" sz="1000" dirty="0" smtClean="0"/>
+              <a:rPr lang="en-US" sz="750" dirty="0"/>
               <a:t>/</a:t>
             </a:r>
-            <a:endParaRPr lang="en-US" sz="1000" dirty="0"/>
+            <a:endParaRPr lang="en-US" sz="750" dirty="0"/>
           </a:p>
         </p:txBody>
       </p:sp>
@@ -15450,6 +15559,13 @@
   <p:clrMapOvr>
     <a:masterClrMapping/>
   </p:clrMapOvr>
+  <p:timing>
+    <p:tnLst>
+      <p:par>
+        <p:cTn id="1" dur="indefinite" restart="never" nodeType="tmRoot"/>
+      </p:par>
+    </p:tnLst>
+  </p:timing>
 </p:sld>
 </file>
 
@@ -15569,8 +15685,8 @@
         </p:blipFill>
         <p:spPr>
           <a:xfrm>
-            <a:off x="7094785" y="2249488"/>
-            <a:ext cx="3030042" cy="3541712"/>
+            <a:off x="5321089" y="2544366"/>
+            <a:ext cx="2272532" cy="2656284"/>
           </a:xfrm>
           <a:prstGeom prst="rect">
             <a:avLst/>
@@ -15595,8 +15711,8 @@
         </p:nvSpPr>
         <p:spPr>
           <a:xfrm>
-            <a:off x="6908859" y="5791200"/>
-            <a:ext cx="3401893" cy="246221"/>
+            <a:off x="5164372" y="5200650"/>
+            <a:ext cx="2585964" cy="207749"/>
           </a:xfrm>
           <a:prstGeom prst="rect">
             <a:avLst/>
@@ -15611,14 +15727,14 @@
           <a:p>
             <a:pPr algn="ctr"/>
             <a:r>
-              <a:rPr lang="en-US" sz="1000" dirty="0"/>
+              <a:rPr lang="en-US" sz="750" dirty="0"/>
               <a:t>http://www.eng.auburn.edu/~</a:t>
             </a:r>
             <a:r>
-              <a:rPr lang="en-US" sz="1000" dirty="0" smtClean="0"/>
+              <a:rPr lang="en-US" sz="750" dirty="0"/>
               <a:t>nelson/courses/elec3040_3050</a:t>
             </a:r>
-            <a:endParaRPr lang="en-US" sz="1000" dirty="0"/>
+            <a:endParaRPr lang="en-US" sz="750" dirty="0"/>
           </a:p>
         </p:txBody>
       </p:sp>
@@ -15708,8 +15824,8 @@
         </p:blipFill>
         <p:spPr>
           <a:xfrm>
-            <a:off x="4759408" y="2996490"/>
-            <a:ext cx="1182451" cy="1773677"/>
+            <a:off x="3413491" y="3433835"/>
+            <a:ext cx="886838" cy="1330258"/>
           </a:xfrm>
           <a:prstGeom prst="rect">
             <a:avLst/>
@@ -15757,7 +15873,9 @@
         </p:nvSpPr>
         <p:spPr/>
         <p:txBody>
-          <a:bodyPr/>
+          <a:bodyPr>
+            <a:normAutofit fontScale="92500" lnSpcReduction="10000"/>
+          </a:bodyPr>
           <a:lstStyle/>
           <a:p>
             <a:r>
@@ -15826,8 +15944,8 @@
         </p:blipFill>
         <p:spPr>
           <a:xfrm>
-            <a:off x="6172200" y="2725645"/>
-            <a:ext cx="4875213" cy="2589398"/>
+            <a:off x="4629150" y="2901484"/>
+            <a:ext cx="3656410" cy="1942049"/>
           </a:xfrm>
           <a:prstGeom prst="rect">
             <a:avLst/>
@@ -15852,8 +15970,8 @@
         </p:nvSpPr>
         <p:spPr>
           <a:xfrm>
-            <a:off x="5561806" y="5314745"/>
-            <a:ext cx="6096000" cy="246221"/>
+            <a:off x="4171355" y="4843309"/>
+            <a:ext cx="4572000" cy="207749"/>
           </a:xfrm>
           <a:prstGeom prst="rect">
             <a:avLst/>
@@ -15867,14 +15985,14 @@
           <a:p>
             <a:pPr algn="ctr"/>
             <a:r>
-              <a:rPr lang="en-US" sz="1000" dirty="0"/>
+              <a:rPr lang="en-US" sz="750" dirty="0"/>
               <a:t>http://www.eng.auburn.edu/~</a:t>
             </a:r>
             <a:r>
-              <a:rPr lang="en-US" sz="1000" dirty="0" smtClean="0"/>
+              <a:rPr lang="en-US" sz="750" dirty="0"/>
               <a:t>nelson/courses/elec3040_3050</a:t>
             </a:r>
-            <a:endParaRPr lang="en-US" sz="1000" dirty="0"/>
+            <a:endParaRPr lang="en-US" sz="750" dirty="0"/>
           </a:p>
         </p:txBody>
       </p:sp>
@@ -15886,8 +16004,8 @@
         </p:nvSpPr>
         <p:spPr>
           <a:xfrm>
-            <a:off x="8398910" y="6152181"/>
-            <a:ext cx="3741575" cy="246221"/>
+            <a:off x="6237637" y="6365417"/>
+            <a:ext cx="2806181" cy="207749"/>
           </a:xfrm>
           <a:prstGeom prst="rect">
             <a:avLst/>
@@ -15902,10 +16020,10 @@
           <a:p>
             <a:pPr algn="ctr"/>
             <a:r>
-              <a:rPr lang="en-US" sz="1000" dirty="0" smtClean="0"/>
+              <a:rPr lang="en-US" sz="750" dirty="0"/>
               <a:t>Tom Cruise Image: www.gstatic.com</a:t>
             </a:r>
-            <a:endParaRPr lang="en-US" sz="1000" dirty="0"/>
+            <a:endParaRPr lang="en-US" sz="750" dirty="0"/>
           </a:p>
         </p:txBody>
       </p:sp>
@@ -15918,7 +16036,7 @@
           <p:nvPr/>
         </p:nvPicPr>
         <p:blipFill>
-          <a:blip r:embed="rId6">
+          <a:blip r:embed="rId6" cstate="print">
             <a:extLst>
               <a:ext uri="{28A0092B-C50C-407E-A947-70E740481C1C}">
                 <a14:useLocalDpi xmlns:a14="http://schemas.microsoft.com/office/drawing/2010/main" val="0"/>
@@ -15931,8 +16049,8 @@
         </p:blipFill>
         <p:spPr>
           <a:xfrm>
-            <a:off x="4414903" y="5047628"/>
-            <a:ext cx="1000124" cy="1026676"/>
+            <a:off x="3516683" y="5001742"/>
+            <a:ext cx="750093" cy="770007"/>
           </a:xfrm>
           <a:prstGeom prst="roundRect">
             <a:avLst>
@@ -15971,8 +16089,8 @@
         </p:nvSpPr>
         <p:spPr>
           <a:xfrm>
-            <a:off x="8010016" y="6329483"/>
-            <a:ext cx="2959465" cy="246221"/>
+            <a:off x="6165774" y="6508123"/>
+            <a:ext cx="2254143" cy="207749"/>
           </a:xfrm>
           <a:prstGeom prst="rect">
             <a:avLst/>
@@ -15986,14 +16104,14 @@
           <a:lstStyle/>
           <a:p>
             <a:r>
-              <a:rPr lang="en-US" sz="1000" dirty="0" smtClean="0"/>
+              <a:rPr lang="en-US" sz="750" dirty="0"/>
               <a:t>Safeway Logo: vignette.wikia.nocookie.net/</a:t>
             </a:r>
             <a:r>
-              <a:rPr lang="en-US" sz="1000" dirty="0" err="1" smtClean="0"/>
+              <a:rPr lang="en-US" sz="750" dirty="0" err="1"/>
               <a:t>logopedia</a:t>
             </a:r>
-            <a:endParaRPr lang="en-US" sz="1000" dirty="0"/>
+            <a:endParaRPr lang="en-US" sz="750" dirty="0"/>
           </a:p>
         </p:txBody>
       </p:sp>
@@ -16121,8 +16239,17 @@
             </a:r>
             <a:r>
               <a:rPr lang="en-US" dirty="0" smtClean="0"/>
-              <a:t>…and we needed 100ms…math</a:t>
-            </a:r>
+              <a:t>… and </a:t>
+            </a:r>
+            <a:r>
+              <a:rPr lang="en-US" dirty="0" smtClean="0"/>
+              <a:t>we needed </a:t>
+            </a:r>
+            <a:r>
+              <a:rPr lang="en-US" dirty="0" smtClean="0"/>
+              <a:t>100ms…</a:t>
+            </a:r>
+            <a:endParaRPr lang="en-US" dirty="0" smtClean="0"/>
           </a:p>
           <a:p>
             <a:endParaRPr lang="en-US" dirty="0"/>
@@ -16140,7 +16267,7 @@
           </p:nvPr>
         </p:nvPicPr>
         <p:blipFill>
-          <a:blip r:embed="rId3">
+          <a:blip r:embed="rId3" cstate="print">
             <a:extLst>
               <a:ext uri="{28A0092B-C50C-407E-A947-70E740481C1C}">
                 <a14:useLocalDpi xmlns:a14="http://schemas.microsoft.com/office/drawing/2010/main" val="0"/>
@@ -16153,8 +16280,8 @@
         </p:blipFill>
         <p:spPr>
           <a:xfrm>
-            <a:off x="6896743" y="2764851"/>
-            <a:ext cx="3426125" cy="2350849"/>
+            <a:off x="5172558" y="2930889"/>
+            <a:ext cx="2569594" cy="1763137"/>
           </a:xfrm>
           <a:prstGeom prst="rect">
             <a:avLst/>
@@ -16179,8 +16306,8 @@
         </p:nvSpPr>
         <p:spPr>
           <a:xfrm>
-            <a:off x="8037230" y="5152934"/>
-            <a:ext cx="1306768" cy="246221"/>
+            <a:off x="6027923" y="4721951"/>
+            <a:ext cx="833883" cy="207749"/>
           </a:xfrm>
           <a:prstGeom prst="rect">
             <a:avLst/>
@@ -16194,10 +16321,10 @@
           <a:lstStyle/>
           <a:p>
             <a:r>
-              <a:rPr lang="en-US" sz="1000" dirty="0" smtClean="0"/>
+              <a:rPr lang="en-US" sz="750" dirty="0"/>
               <a:t>cdn.sparkfun.com</a:t>
             </a:r>
-            <a:endParaRPr lang="en-US" sz="1000" dirty="0"/>
+            <a:endParaRPr lang="en-US" sz="750" dirty="0"/>
           </a:p>
         </p:txBody>
       </p:sp>
@@ -16223,8 +16350,8 @@
         </p:blipFill>
         <p:spPr>
           <a:xfrm>
-            <a:off x="3361765" y="3201525"/>
-            <a:ext cx="2462504" cy="1477502"/>
+            <a:off x="2996826" y="3258393"/>
+            <a:ext cx="1846878" cy="1108127"/>
           </a:xfrm>
           <a:prstGeom prst="rect">
             <a:avLst/>
@@ -16245,8 +16372,8 @@
         </p:nvSpPr>
         <p:spPr>
           <a:xfrm>
-            <a:off x="9878104" y="6512767"/>
-            <a:ext cx="1568058" cy="246221"/>
+            <a:off x="7232733" y="6330911"/>
+            <a:ext cx="1212191" cy="207749"/>
           </a:xfrm>
           <a:prstGeom prst="rect">
             <a:avLst/>
@@ -16260,14 +16387,14 @@
           <a:lstStyle/>
           <a:p>
             <a:r>
-              <a:rPr lang="en-US" sz="1000" dirty="0"/>
+              <a:rPr lang="en-US" sz="750" dirty="0"/>
               <a:t>Beautiful Mind: </a:t>
             </a:r>
             <a:r>
-              <a:rPr lang="en-US" sz="1000" dirty="0" smtClean="0"/>
+              <a:rPr lang="en-US" sz="750" dirty="0"/>
               <a:t>i.guim.co.uk</a:t>
             </a:r>
-            <a:endParaRPr lang="en-US" sz="1000" dirty="0"/>
+            <a:endParaRPr lang="en-US" sz="750" dirty="0"/>
           </a:p>
         </p:txBody>
       </p:sp>
@@ -16418,8 +16545,8 @@
         </p:blipFill>
         <p:spPr>
           <a:xfrm rot="10800000">
-            <a:off x="6503436" y="2249488"/>
-            <a:ext cx="4817610" cy="3541712"/>
+            <a:off x="4446752" y="2342143"/>
+            <a:ext cx="3613208" cy="2656284"/>
           </a:xfrm>
           <a:prstGeom prst="rect">
             <a:avLst/>
@@ -16446,6 +16573,13 @@
   <p:clrMapOvr>
     <a:masterClrMapping/>
   </p:clrMapOvr>
+  <p:timing>
+    <p:tnLst>
+      <p:par>
+        <p:cTn id="1" dur="indefinite" restart="never" nodeType="tmRoot"/>
+      </p:par>
+    </p:tnLst>
+  </p:timing>
 </p:sld>
 </file>
 
@@ -16567,8 +16701,8 @@
         </p:blipFill>
         <p:spPr>
           <a:xfrm>
-            <a:off x="6408611" y="2466305"/>
-            <a:ext cx="4667737" cy="2625602"/>
+            <a:off x="4806459" y="2706979"/>
+            <a:ext cx="3500803" cy="1969202"/>
           </a:xfrm>
           <a:prstGeom prst="rect">
             <a:avLst/>
@@ -16593,8 +16727,8 @@
         </p:nvSpPr>
         <p:spPr>
           <a:xfrm>
-            <a:off x="10043375" y="6611779"/>
-            <a:ext cx="1378040" cy="246221"/>
+            <a:off x="7620454" y="6097439"/>
+            <a:ext cx="1033530" cy="207749"/>
           </a:xfrm>
           <a:prstGeom prst="rect">
             <a:avLst/>
@@ -16608,10 +16742,10 @@
           <a:lstStyle/>
           <a:p>
             <a:r>
-              <a:rPr lang="en-US" sz="1000" dirty="0" smtClean="0"/>
+              <a:rPr lang="en-US" sz="750" dirty="0"/>
               <a:t>www-tc.pbs.org</a:t>
             </a:r>
-            <a:endParaRPr lang="en-US" sz="1000" dirty="0"/>
+            <a:endParaRPr lang="en-US" sz="750" dirty="0"/>
           </a:p>
         </p:txBody>
       </p:sp>
@@ -16712,46 +16846,6 @@
       </p:sp>
       <p:pic>
         <p:nvPicPr>
-          <p:cNvPr id="5" name="Picture 4"/>
-          <p:cNvPicPr>
-            <a:picLocks noChangeAspect="1"/>
-          </p:cNvPicPr>
-          <p:nvPr/>
-        </p:nvPicPr>
-        <p:blipFill>
-          <a:blip r:embed="rId3">
-            <a:extLst>
-              <a:ext uri="{28A0092B-C50C-407E-A947-70E740481C1C}">
-                <a14:useLocalDpi xmlns:a14="http://schemas.microsoft.com/office/drawing/2010/main" val="0"/>
-              </a:ext>
-            </a:extLst>
-          </a:blip>
-          <a:stretch>
-            <a:fillRect/>
-          </a:stretch>
-        </p:blipFill>
-        <p:spPr>
-          <a:xfrm>
-            <a:off x="6728138" y="2499105"/>
-            <a:ext cx="3810000" cy="2143125"/>
-          </a:xfrm>
-          <a:prstGeom prst="rect">
-            <a:avLst/>
-          </a:prstGeom>
-          <a:ln>
-            <a:noFill/>
-          </a:ln>
-          <a:effectLst>
-            <a:outerShdw blurRad="190500" algn="tl" rotWithShape="0">
-              <a:srgbClr val="000000">
-                <a:alpha val="70000"/>
-              </a:srgbClr>
-            </a:outerShdw>
-          </a:effectLst>
-        </p:spPr>
-      </p:pic>
-      <p:pic>
-        <p:nvPicPr>
           <p:cNvPr id="8" name="Content Placeholder 4"/>
           <p:cNvPicPr>
             <a:picLocks noGrp="1" noChangeAspect="1"/>
@@ -16761,11 +16855,11 @@
           </p:nvPr>
         </p:nvPicPr>
         <p:blipFill>
-          <a:blip r:embed="rId4" cstate="print">
+          <a:blip r:embed="rId3" cstate="print">
             <a:extLst>
               <a:ext uri="{BEBA8EAE-BF5A-486C-A8C5-ECC9F3942E4B}">
                 <a14:imgProps xmlns:a14="http://schemas.microsoft.com/office/drawing/2010/main">
-                  <a14:imgLayer r:embed="rId5">
+                  <a14:imgLayer r:embed="rId4">
                     <a14:imgEffect>
                       <a14:brightnessContrast bright="-20000" contrast="20000"/>
                     </a14:imgEffect>
@@ -16783,8 +16877,8 @@
         </p:blipFill>
         <p:spPr>
           <a:xfrm>
-            <a:off x="6248992" y="2249733"/>
-            <a:ext cx="4721629" cy="3541222"/>
+            <a:off x="4686744" y="2544550"/>
+            <a:ext cx="3541222" cy="2655917"/>
           </a:xfrm>
           <a:prstGeom prst="rect">
             <a:avLst/>
@@ -16838,37 +16932,14 @@
           <a:chExt cx="0" cy="0"/>
         </a:xfrm>
       </p:grpSpPr>
-      <p:sp>
-        <p:nvSpPr>
-          <p:cNvPr id="4" name="Title 3"/>
-          <p:cNvSpPr>
-            <a:spLocks noGrp="1"/>
-          </p:cNvSpPr>
-          <p:nvPr>
-            <p:ph type="title"/>
-          </p:nvPr>
-        </p:nvSpPr>
-        <p:spPr/>
-        <p:txBody>
-          <a:bodyPr/>
-          <a:lstStyle/>
-          <a:p>
-            <a:r>
-              <a:rPr lang="en-US" dirty="0" smtClean="0"/>
-              <a:t>Control System (cont.)</a:t>
-            </a:r>
-            <a:endParaRPr lang="en-US" dirty="0"/>
-          </a:p>
-        </p:txBody>
-      </p:sp>
       <p:pic>
         <p:nvPicPr>
-          <p:cNvPr id="7" name="Content Placeholder 6"/>
+          <p:cNvPr id="8" name="Content Placeholder 7"/>
           <p:cNvPicPr>
             <a:picLocks noGrp="1" noChangeAspect="1"/>
           </p:cNvPicPr>
           <p:nvPr>
-            <p:ph sz="half" idx="1"/>
+            <p:ph sz="half" idx="2"/>
           </p:nvPr>
         </p:nvPicPr>
         <p:blipFill>
@@ -16885,8 +16956,8 @@
         </p:blipFill>
         <p:spPr>
           <a:xfrm>
-            <a:off x="2125611" y="2249488"/>
-            <a:ext cx="2909991" cy="3541712"/>
+            <a:off x="5230472" y="1900212"/>
+            <a:ext cx="2431455" cy="3674573"/>
           </a:xfrm>
           <a:prstGeom prst="rect">
             <a:avLst/>
@@ -16903,14 +16974,37 @@
           </a:effectLst>
         </p:spPr>
       </p:pic>
+      <p:sp>
+        <p:nvSpPr>
+          <p:cNvPr id="4" name="Title 3"/>
+          <p:cNvSpPr>
+            <a:spLocks noGrp="1"/>
+          </p:cNvSpPr>
+          <p:nvPr>
+            <p:ph type="title"/>
+          </p:nvPr>
+        </p:nvSpPr>
+        <p:spPr/>
+        <p:txBody>
+          <a:bodyPr/>
+          <a:lstStyle/>
+          <a:p>
+            <a:r>
+              <a:rPr lang="en-US" dirty="0" smtClean="0"/>
+              <a:t>Control System (cont.)</a:t>
+            </a:r>
+            <a:endParaRPr lang="en-US" dirty="0"/>
+          </a:p>
+        </p:txBody>
+      </p:sp>
       <p:pic>
         <p:nvPicPr>
-          <p:cNvPr id="8" name="Content Placeholder 7"/>
+          <p:cNvPr id="7" name="Content Placeholder 6"/>
           <p:cNvPicPr>
             <a:picLocks noGrp="1" noChangeAspect="1"/>
           </p:cNvPicPr>
           <p:nvPr>
-            <p:ph sz="half" idx="2"/>
+            <p:ph sz="half" idx="1"/>
           </p:nvPr>
         </p:nvPicPr>
         <p:blipFill>
@@ -16927,8 +17021,8 @@
         </p:blipFill>
         <p:spPr>
           <a:xfrm>
-            <a:off x="7438036" y="2249488"/>
-            <a:ext cx="2343541" cy="3541712"/>
+            <a:off x="1594209" y="1908151"/>
+            <a:ext cx="3012631" cy="3666634"/>
           </a:xfrm>
           <a:prstGeom prst="rect">
             <a:avLst/>
@@ -16953,8 +17047,8 @@
         </p:nvSpPr>
         <p:spPr>
           <a:xfrm>
-            <a:off x="2125013" y="5885641"/>
-            <a:ext cx="2923505" cy="646331"/>
+            <a:off x="1946952" y="5574785"/>
+            <a:ext cx="2192629" cy="507831"/>
           </a:xfrm>
           <a:prstGeom prst="rect">
             <a:avLst/>
@@ -16969,10 +17063,10 @@
           <a:p>
             <a:pPr algn="ctr"/>
             <a:r>
-              <a:rPr lang="en-US" dirty="0" smtClean="0"/>
+              <a:rPr lang="en-US" sz="1350" dirty="0"/>
               <a:t>System response without load</a:t>
             </a:r>
-            <a:endParaRPr lang="en-US" dirty="0"/>
+            <a:endParaRPr lang="en-US" sz="1350" dirty="0"/>
           </a:p>
         </p:txBody>
       </p:sp>
@@ -16984,8 +17078,8 @@
         </p:nvSpPr>
         <p:spPr>
           <a:xfrm>
-            <a:off x="7158509" y="5889937"/>
-            <a:ext cx="2923505" cy="646331"/>
+            <a:off x="5349884" y="5678659"/>
+            <a:ext cx="2192629" cy="300082"/>
           </a:xfrm>
           <a:prstGeom prst="rect">
             <a:avLst/>
@@ -17000,10 +17094,10 @@
           <a:p>
             <a:pPr algn="ctr"/>
             <a:r>
-              <a:rPr lang="en-US" dirty="0" smtClean="0"/>
+              <a:rPr lang="en-US" sz="1350" dirty="0"/>
               <a:t>System response with load</a:t>
             </a:r>
-            <a:endParaRPr lang="en-US" dirty="0"/>
+            <a:endParaRPr lang="en-US" sz="1350" dirty="0"/>
           </a:p>
         </p:txBody>
       </p:sp>
@@ -17272,7 +17366,7 @@
   <a:extraClrSchemeLst/>
   <a:extLst>
     <a:ext uri="{05A4C25C-085E-4340-85A3-A5531E510DB2}">
-      <thm15:themeFamily xmlns:thm15="http://schemas.microsoft.com/office/thememl/2012/main" xmlns="" name="Circuit" id="{0AC2F7E7-15F5-431C-B2A2-456FE929F56C}" vid="{142578CA-DEC9-49C3-80AF-C113973CC9A9}"/>
+      <thm15:themeFamily xmlns:thm15="http://schemas.microsoft.com/office/thememl/2012/main" name="Circuit" id="{0AC2F7E7-15F5-431C-B2A2-456FE929F56C}" vid="{142578CA-DEC9-49C3-80AF-C113973CC9A9}"/>
     </a:ext>
   </a:extLst>
 </a:theme>
@@ -17533,7 +17627,7 @@
   <a:extraClrSchemeLst/>
   <a:extLst>
     <a:ext uri="{05A4C25C-085E-4340-85A3-A5531E510DB2}">
-      <thm15:themeFamily xmlns:thm15="http://schemas.microsoft.com/office/thememl/2012/main" xmlns="" name="Office Theme" id="{62F939B6-93AF-4DB8-9C6B-D6C7DFDC589F}" vid="{4A3C46E8-61CC-4603-A589-7422A47A8E4A}"/>
+      <thm15:themeFamily xmlns:thm15="http://schemas.microsoft.com/office/thememl/2012/main" name="Office Theme" id="{62F939B6-93AF-4DB8-9C6B-D6C7DFDC589F}" vid="{4A3C46E8-61CC-4603-A589-7422A47A8E4A}"/>
     </a:ext>
   </a:extLst>
 </a:theme>
